--- a/(2019.01.28) 파이썬 이해.pptx
+++ b/(2019.01.28) 파이썬 이해.pptx
@@ -51,12 +51,14 @@
     <p:sldId id="307" r:id="rId45"/>
     <p:sldId id="308" r:id="rId46"/>
     <p:sldId id="309" r:id="rId47"/>
-    <p:sldId id="311" r:id="rId48"/>
-    <p:sldId id="312" r:id="rId49"/>
-    <p:sldId id="313" r:id="rId50"/>
-    <p:sldId id="314" r:id="rId51"/>
-    <p:sldId id="315" r:id="rId52"/>
-    <p:sldId id="284" r:id="rId53"/>
+    <p:sldId id="316" r:id="rId48"/>
+    <p:sldId id="311" r:id="rId49"/>
+    <p:sldId id="312" r:id="rId50"/>
+    <p:sldId id="313" r:id="rId51"/>
+    <p:sldId id="314" r:id="rId52"/>
+    <p:sldId id="315" r:id="rId53"/>
+    <p:sldId id="317" r:id="rId54"/>
+    <p:sldId id="318" r:id="rId55"/>
   </p:sldIdLst>
   <p:sldSz cx="9144000" cy="6858000" type="screen4x3"/>
   <p:notesSz cx="6858000" cy="9144000"/>
@@ -339,7 +341,7 @@
           <a:p>
             <a:fld id="{63A37E20-A2D4-41BA-9D60-0F1E5DED0FDB}" type="datetimeFigureOut">
               <a:rPr lang="ko-KR" altLang="en-US" smtClean="0"/>
-              <a:t>2019-01-27</a:t>
+              <a:t>2019-02-06</a:t>
             </a:fld>
             <a:endParaRPr lang="ko-KR" altLang="en-US"/>
           </a:p>
@@ -509,7 +511,7 @@
           <a:p>
             <a:fld id="{63A37E20-A2D4-41BA-9D60-0F1E5DED0FDB}" type="datetimeFigureOut">
               <a:rPr lang="ko-KR" altLang="en-US" smtClean="0"/>
-              <a:t>2019-01-27</a:t>
+              <a:t>2019-02-06</a:t>
             </a:fld>
             <a:endParaRPr lang="ko-KR" altLang="en-US"/>
           </a:p>
@@ -689,7 +691,7 @@
           <a:p>
             <a:fld id="{63A37E20-A2D4-41BA-9D60-0F1E5DED0FDB}" type="datetimeFigureOut">
               <a:rPr lang="ko-KR" altLang="en-US" smtClean="0"/>
-              <a:t>2019-01-27</a:t>
+              <a:t>2019-02-06</a:t>
             </a:fld>
             <a:endParaRPr lang="ko-KR" altLang="en-US"/>
           </a:p>
@@ -859,7 +861,7 @@
           <a:p>
             <a:fld id="{63A37E20-A2D4-41BA-9D60-0F1E5DED0FDB}" type="datetimeFigureOut">
               <a:rPr lang="ko-KR" altLang="en-US" smtClean="0"/>
-              <a:t>2019-01-27</a:t>
+              <a:t>2019-02-06</a:t>
             </a:fld>
             <a:endParaRPr lang="ko-KR" altLang="en-US"/>
           </a:p>
@@ -1105,7 +1107,7 @@
           <a:p>
             <a:fld id="{63A37E20-A2D4-41BA-9D60-0F1E5DED0FDB}" type="datetimeFigureOut">
               <a:rPr lang="ko-KR" altLang="en-US" smtClean="0"/>
-              <a:t>2019-01-27</a:t>
+              <a:t>2019-02-06</a:t>
             </a:fld>
             <a:endParaRPr lang="ko-KR" altLang="en-US"/>
           </a:p>
@@ -1393,7 +1395,7 @@
           <a:p>
             <a:fld id="{63A37E20-A2D4-41BA-9D60-0F1E5DED0FDB}" type="datetimeFigureOut">
               <a:rPr lang="ko-KR" altLang="en-US" smtClean="0"/>
-              <a:t>2019-01-27</a:t>
+              <a:t>2019-02-06</a:t>
             </a:fld>
             <a:endParaRPr lang="ko-KR" altLang="en-US"/>
           </a:p>
@@ -1815,7 +1817,7 @@
           <a:p>
             <a:fld id="{63A37E20-A2D4-41BA-9D60-0F1E5DED0FDB}" type="datetimeFigureOut">
               <a:rPr lang="ko-KR" altLang="en-US" smtClean="0"/>
-              <a:t>2019-01-27</a:t>
+              <a:t>2019-02-06</a:t>
             </a:fld>
             <a:endParaRPr lang="ko-KR" altLang="en-US"/>
           </a:p>
@@ -1933,7 +1935,7 @@
           <a:p>
             <a:fld id="{63A37E20-A2D4-41BA-9D60-0F1E5DED0FDB}" type="datetimeFigureOut">
               <a:rPr lang="ko-KR" altLang="en-US" smtClean="0"/>
-              <a:t>2019-01-27</a:t>
+              <a:t>2019-02-06</a:t>
             </a:fld>
             <a:endParaRPr lang="ko-KR" altLang="en-US"/>
           </a:p>
@@ -2028,7 +2030,7 @@
           <a:p>
             <a:fld id="{63A37E20-A2D4-41BA-9D60-0F1E5DED0FDB}" type="datetimeFigureOut">
               <a:rPr lang="ko-KR" altLang="en-US" smtClean="0"/>
-              <a:t>2019-01-27</a:t>
+              <a:t>2019-02-06</a:t>
             </a:fld>
             <a:endParaRPr lang="ko-KR" altLang="en-US"/>
           </a:p>
@@ -2305,7 +2307,7 @@
           <a:p>
             <a:fld id="{63A37E20-A2D4-41BA-9D60-0F1E5DED0FDB}" type="datetimeFigureOut">
               <a:rPr lang="ko-KR" altLang="en-US" smtClean="0"/>
-              <a:t>2019-01-27</a:t>
+              <a:t>2019-02-06</a:t>
             </a:fld>
             <a:endParaRPr lang="ko-KR" altLang="en-US"/>
           </a:p>
@@ -2558,7 +2560,7 @@
           <a:p>
             <a:fld id="{63A37E20-A2D4-41BA-9D60-0F1E5DED0FDB}" type="datetimeFigureOut">
               <a:rPr lang="ko-KR" altLang="en-US" smtClean="0"/>
-              <a:t>2019-01-27</a:t>
+              <a:t>2019-02-06</a:t>
             </a:fld>
             <a:endParaRPr lang="ko-KR" altLang="en-US"/>
           </a:p>
@@ -2771,7 +2773,7 @@
           <a:p>
             <a:fld id="{63A37E20-A2D4-41BA-9D60-0F1E5DED0FDB}" type="datetimeFigureOut">
               <a:rPr lang="ko-KR" altLang="en-US" smtClean="0"/>
-              <a:t>2019-01-27</a:t>
+              <a:t>2019-02-06</a:t>
             </a:fld>
             <a:endParaRPr lang="ko-KR" altLang="en-US"/>
           </a:p>
@@ -13467,11 +13469,7 @@
           <a:p>
             <a:r>
               <a:rPr lang="ko-KR" altLang="en-US" sz="2000"/>
-              <a:t>람다함수는 임시로 또는 간단하게 함수를 </a:t>
-            </a:r>
-            <a:r>
-              <a:rPr lang="ko-KR" altLang="en-US" sz="2000"/>
-              <a:t>만들때 </a:t>
+              <a:t>람다함수는 임시로 또는 간단하게 함수를 만들때 </a:t>
             </a:r>
             <a:r>
               <a:rPr lang="ko-KR" altLang="en-US" sz="2000" smtClean="0"/>
@@ -14968,16 +14966,8 @@
           <a:lstStyle/>
           <a:p>
             <a:r>
-              <a:rPr lang="ko-KR" altLang="en-US" smtClean="0"/>
-              <a:t>클래스</a:t>
-            </a:r>
-            <a:r>
               <a:rPr lang="en-US" altLang="ko-KR" smtClean="0"/>
-              <a:t>, </a:t>
-            </a:r>
-            <a:r>
-              <a:rPr lang="ko-KR" altLang="en-US" smtClean="0"/>
-              <a:t>모듈 등</a:t>
+              <a:t>iris.csv</a:t>
             </a:r>
             <a:endParaRPr lang="ko-KR" altLang="en-US"/>
           </a:p>
@@ -14985,27 +14975,544 @@
       </p:sp>
       <p:sp>
         <p:nvSpPr>
-          <p:cNvPr id="3" name="텍스트 개체 틀 2"/>
-          <p:cNvSpPr>
-            <a:spLocks noGrp="1"/>
-          </p:cNvSpPr>
-          <p:nvPr>
-            <p:ph type="body" idx="1"/>
-          </p:nvPr>
-        </p:nvSpPr>
-        <p:spPr/>
-        <p:txBody>
-          <a:bodyPr/>
-          <a:lstStyle/>
-          <a:p>
-            <a:endParaRPr lang="ko-KR" altLang="en-US"/>
+          <p:cNvPr id="3" name="모서리가 접힌 도형 2"/>
+          <p:cNvSpPr/>
+          <p:nvPr/>
+        </p:nvSpPr>
+        <p:spPr>
+          <a:xfrm>
+            <a:off x="827584" y="1628800"/>
+            <a:ext cx="5040560" cy="4392488"/>
+          </a:xfrm>
+          <a:prstGeom prst="foldedCorner">
+            <a:avLst>
+              <a:gd name="adj" fmla="val 8903"/>
+            </a:avLst>
+          </a:prstGeom>
+          <a:solidFill>
+            <a:schemeClr val="bg1"/>
+          </a:solidFill>
+          <a:ln>
+            <a:solidFill>
+              <a:schemeClr val="tx1"/>
+            </a:solidFill>
+          </a:ln>
+        </p:spPr>
+        <p:style>
+          <a:lnRef idx="2">
+            <a:schemeClr val="accent1">
+              <a:shade val="50000"/>
+            </a:schemeClr>
+          </a:lnRef>
+          <a:fillRef idx="1">
+            <a:schemeClr val="accent1"/>
+          </a:fillRef>
+          <a:effectRef idx="0">
+            <a:schemeClr val="accent1"/>
+          </a:effectRef>
+          <a:fontRef idx="minor">
+            <a:schemeClr val="lt1"/>
+          </a:fontRef>
+        </p:style>
+        <p:txBody>
+          <a:bodyPr rtlCol="0" anchor="ctr"/>
+          <a:lstStyle/>
+          <a:p>
+            <a:r>
+              <a:rPr lang="en-US" altLang="ko-KR" sz="1200" smtClean="0">
+                <a:solidFill>
+                  <a:schemeClr val="tx1"/>
+                </a:solidFill>
+              </a:rPr>
+              <a:t>SepalLength,SepalWidth,PetalLength,PetalWidth,Name</a:t>
+            </a:r>
+          </a:p>
+          <a:p>
+            <a:r>
+              <a:rPr lang="en-US" altLang="ko-KR" sz="1200" smtClean="0">
+                <a:solidFill>
+                  <a:schemeClr val="tx1"/>
+                </a:solidFill>
+              </a:rPr>
+              <a:t>5.1,3.5,1.4,0.2,Iris-setosa</a:t>
+            </a:r>
+          </a:p>
+          <a:p>
+            <a:r>
+              <a:rPr lang="en-US" altLang="ko-KR" sz="1200" smtClean="0">
+                <a:solidFill>
+                  <a:schemeClr val="tx1"/>
+                </a:solidFill>
+              </a:rPr>
+              <a:t>4.9,3.0,1.4,0.2,Iris-setosa</a:t>
+            </a:r>
+          </a:p>
+          <a:p>
+            <a:r>
+              <a:rPr lang="en-US" altLang="ko-KR" sz="1200" smtClean="0">
+                <a:solidFill>
+                  <a:schemeClr val="tx1"/>
+                </a:solidFill>
+              </a:rPr>
+              <a:t>4.7,3.2,1.3,0.2,Iris-setosa</a:t>
+            </a:r>
+          </a:p>
+          <a:p>
+            <a:r>
+              <a:rPr lang="en-US" altLang="ko-KR" sz="1200" smtClean="0">
+                <a:solidFill>
+                  <a:schemeClr val="tx1"/>
+                </a:solidFill>
+              </a:rPr>
+              <a:t>4.6,3.1,1.5,0.2,Iris-setosa</a:t>
+            </a:r>
+          </a:p>
+          <a:p>
+            <a:r>
+              <a:rPr lang="en-US" altLang="ko-KR" sz="1200" smtClean="0">
+                <a:solidFill>
+                  <a:schemeClr val="tx1"/>
+                </a:solidFill>
+              </a:rPr>
+              <a:t>5.0,3.6,1.4,0.2,Iris-setosa</a:t>
+            </a:r>
+          </a:p>
+          <a:p>
+            <a:r>
+              <a:rPr lang="en-US" altLang="ko-KR" sz="1200" smtClean="0">
+                <a:solidFill>
+                  <a:schemeClr val="tx1"/>
+                </a:solidFill>
+              </a:rPr>
+              <a:t>5.4,3.9,1.7,0.4,Iris-setosa</a:t>
+            </a:r>
+          </a:p>
+          <a:p>
+            <a:r>
+              <a:rPr lang="en-US" altLang="ko-KR" sz="1200" smtClean="0">
+                <a:solidFill>
+                  <a:schemeClr val="tx1"/>
+                </a:solidFill>
+              </a:rPr>
+              <a:t>4.6,3.4,1.4,0.3,Iris-setosa</a:t>
+            </a:r>
+          </a:p>
+          <a:p>
+            <a:r>
+              <a:rPr lang="en-US" altLang="ko-KR" sz="1200" smtClean="0">
+                <a:solidFill>
+                  <a:schemeClr val="tx1"/>
+                </a:solidFill>
+              </a:rPr>
+              <a:t>5.0,3.4,1.5,0.2,Iris-setosa</a:t>
+            </a:r>
+          </a:p>
+          <a:p>
+            <a:r>
+              <a:rPr lang="en-US" altLang="ko-KR" sz="1200" smtClean="0">
+                <a:solidFill>
+                  <a:schemeClr val="tx1"/>
+                </a:solidFill>
+              </a:rPr>
+              <a:t>4.4,2.9,1.4,0.2,Iris-setosa</a:t>
+            </a:r>
+          </a:p>
+          <a:p>
+            <a:r>
+              <a:rPr lang="en-US" altLang="ko-KR" sz="1200" smtClean="0">
+                <a:solidFill>
+                  <a:schemeClr val="tx1"/>
+                </a:solidFill>
+              </a:rPr>
+              <a:t>4.9,3.1,1.5,0.1,Iris-setosa</a:t>
+            </a:r>
+          </a:p>
+          <a:p>
+            <a:r>
+              <a:rPr lang="en-US" altLang="ko-KR" sz="1200" smtClean="0">
+                <a:solidFill>
+                  <a:schemeClr val="tx1"/>
+                </a:solidFill>
+              </a:rPr>
+              <a:t>5.4,3.7,1.5,0.2,Iris-setosa</a:t>
+            </a:r>
+          </a:p>
+          <a:p>
+            <a:r>
+              <a:rPr lang="en-US" altLang="ko-KR" sz="1200" smtClean="0">
+                <a:solidFill>
+                  <a:schemeClr val="tx1"/>
+                </a:solidFill>
+              </a:rPr>
+              <a:t>4.8,3.4,1.6,0.2,Iris-setosa</a:t>
+            </a:r>
+          </a:p>
+          <a:p>
+            <a:r>
+              <a:rPr lang="en-US" altLang="ko-KR" sz="1200" smtClean="0">
+                <a:solidFill>
+                  <a:schemeClr val="tx1"/>
+                </a:solidFill>
+              </a:rPr>
+              <a:t>4.8,3.0,1.4,0.1,Iris-setosa</a:t>
+            </a:r>
+          </a:p>
+          <a:p>
+            <a:r>
+              <a:rPr lang="en-US" altLang="ko-KR" sz="1200" smtClean="0">
+                <a:solidFill>
+                  <a:schemeClr val="tx1"/>
+                </a:solidFill>
+              </a:rPr>
+              <a:t>4.3,3.0,1.1,0.1,Iris-setosa</a:t>
+            </a:r>
+          </a:p>
+          <a:p>
+            <a:r>
+              <a:rPr lang="en-US" altLang="ko-KR" sz="1200" smtClean="0">
+                <a:solidFill>
+                  <a:schemeClr val="tx1"/>
+                </a:solidFill>
+              </a:rPr>
+              <a:t>5.8,4.0,1.2,0.2,Iris-setosa</a:t>
+            </a:r>
+          </a:p>
+          <a:p>
+            <a:r>
+              <a:rPr lang="en-US" altLang="ko-KR" sz="1200" smtClean="0">
+                <a:solidFill>
+                  <a:schemeClr val="tx1"/>
+                </a:solidFill>
+              </a:rPr>
+              <a:t>5.7,4.4,1.5,0.4,Iris-setosa</a:t>
+            </a:r>
+          </a:p>
+          <a:p>
+            <a:r>
+              <a:rPr lang="en-US" altLang="ko-KR" sz="1200" smtClean="0">
+                <a:solidFill>
+                  <a:schemeClr val="tx1"/>
+                </a:solidFill>
+              </a:rPr>
+              <a:t>5.4,3.9,1.3,0.4,Iris-setosa</a:t>
+            </a:r>
+          </a:p>
+          <a:p>
+            <a:r>
+              <a:rPr lang="en-US" altLang="ko-KR" sz="1200" smtClean="0">
+                <a:solidFill>
+                  <a:schemeClr val="tx1"/>
+                </a:solidFill>
+              </a:rPr>
+              <a:t>5.1,3.5,1.4,0.3,Iris-setosa</a:t>
+            </a:r>
+          </a:p>
+          <a:p>
+            <a:r>
+              <a:rPr lang="en-US" altLang="ko-KR" sz="1200" smtClean="0">
+                <a:solidFill>
+                  <a:schemeClr val="tx1"/>
+                </a:solidFill>
+              </a:rPr>
+              <a:t>5.7,3.8,1.7,0.3,Iris-setosa</a:t>
+            </a:r>
+          </a:p>
+          <a:p>
+            <a:r>
+              <a:rPr lang="en-US" altLang="ko-KR" sz="1200" smtClean="0">
+                <a:solidFill>
+                  <a:schemeClr val="tx1"/>
+                </a:solidFill>
+              </a:rPr>
+              <a:t>…</a:t>
+            </a:r>
+            <a:endParaRPr lang="ko-KR" altLang="en-US" sz="1200">
+              <a:solidFill>
+                <a:schemeClr val="tx1"/>
+              </a:solidFill>
+            </a:endParaRPr>
+          </a:p>
+        </p:txBody>
+      </p:sp>
+      <p:sp>
+        <p:nvSpPr>
+          <p:cNvPr id="4" name="모서리가 접힌 도형 3"/>
+          <p:cNvSpPr/>
+          <p:nvPr/>
+        </p:nvSpPr>
+        <p:spPr>
+          <a:xfrm>
+            <a:off x="3491880" y="2348880"/>
+            <a:ext cx="5328592" cy="4320480"/>
+          </a:xfrm>
+          <a:prstGeom prst="foldedCorner">
+            <a:avLst>
+              <a:gd name="adj" fmla="val 8903"/>
+            </a:avLst>
+          </a:prstGeom>
+          <a:solidFill>
+            <a:schemeClr val="bg2"/>
+          </a:solidFill>
+          <a:ln>
+            <a:solidFill>
+              <a:schemeClr val="tx1"/>
+            </a:solidFill>
+          </a:ln>
+        </p:spPr>
+        <p:style>
+          <a:lnRef idx="2">
+            <a:schemeClr val="accent1">
+              <a:shade val="50000"/>
+            </a:schemeClr>
+          </a:lnRef>
+          <a:fillRef idx="1">
+            <a:schemeClr val="accent1"/>
+          </a:fillRef>
+          <a:effectRef idx="0">
+            <a:schemeClr val="accent1"/>
+          </a:effectRef>
+          <a:fontRef idx="minor">
+            <a:schemeClr val="lt1"/>
+          </a:fontRef>
+        </p:style>
+        <p:txBody>
+          <a:bodyPr rtlCol="0" anchor="ctr"/>
+          <a:lstStyle/>
+          <a:p>
+            <a:r>
+              <a:rPr lang="en-US" altLang="ko-KR" sz="1400">
+                <a:solidFill>
+                  <a:schemeClr val="tx1"/>
+                </a:solidFill>
+              </a:rPr>
+              <a:t>f = open('iris.csv')</a:t>
+            </a:r>
+          </a:p>
+          <a:p>
+            <a:endParaRPr lang="en-US" altLang="ko-KR" sz="1400">
+              <a:solidFill>
+                <a:schemeClr val="tx1"/>
+              </a:solidFill>
+            </a:endParaRPr>
+          </a:p>
+          <a:p>
+            <a:r>
+              <a:rPr lang="en-US" altLang="ko-KR" sz="1400">
+                <a:solidFill>
+                  <a:schemeClr val="tx1"/>
+                </a:solidFill>
+              </a:rPr>
+              <a:t>data = []</a:t>
+            </a:r>
+          </a:p>
+          <a:p>
+            <a:r>
+              <a:rPr lang="en-US" altLang="ko-KR" sz="1400">
+                <a:solidFill>
+                  <a:schemeClr val="tx1"/>
+                </a:solidFill>
+              </a:rPr>
+              <a:t>labels = {'Iris-setosa' : 0, 'Iris-versicolor' : 1, 'Iris-virginica' : 2}</a:t>
+            </a:r>
+          </a:p>
+          <a:p>
+            <a:endParaRPr lang="en-US" altLang="ko-KR" sz="1400">
+              <a:solidFill>
+                <a:schemeClr val="tx1"/>
+              </a:solidFill>
+            </a:endParaRPr>
+          </a:p>
+          <a:p>
+            <a:r>
+              <a:rPr lang="en-US" altLang="ko-KR" sz="1400">
+                <a:solidFill>
+                  <a:schemeClr val="tx1"/>
+                </a:solidFill>
+              </a:rPr>
+              <a:t>columns = f.readline().strip().</a:t>
+            </a:r>
+            <a:r>
+              <a:rPr lang="en-US" altLang="ko-KR" sz="1400">
+                <a:solidFill>
+                  <a:schemeClr val="tx1"/>
+                </a:solidFill>
+              </a:rPr>
+              <a:t>split</a:t>
+            </a:r>
+            <a:r>
+              <a:rPr lang="en-US" altLang="ko-KR" sz="1400" smtClean="0">
+                <a:solidFill>
+                  <a:schemeClr val="tx1"/>
+                </a:solidFill>
+              </a:rPr>
+              <a:t>(',')[:___]</a:t>
+            </a:r>
+            <a:endParaRPr lang="en-US" altLang="ko-KR" sz="1400">
+              <a:solidFill>
+                <a:schemeClr val="tx1"/>
+              </a:solidFill>
+            </a:endParaRPr>
+          </a:p>
+          <a:p>
+            <a:endParaRPr lang="en-US" altLang="ko-KR" sz="1400">
+              <a:solidFill>
+                <a:schemeClr val="tx1"/>
+              </a:solidFill>
+            </a:endParaRPr>
+          </a:p>
+          <a:p>
+            <a:r>
+              <a:rPr lang="en-US" altLang="ko-KR" sz="1400">
+                <a:solidFill>
+                  <a:schemeClr val="tx1"/>
+                </a:solidFill>
+              </a:rPr>
+              <a:t>for line in f:</a:t>
+            </a:r>
+          </a:p>
+          <a:p>
+            <a:r>
+              <a:rPr lang="en-US" altLang="ko-KR" sz="1400">
+                <a:solidFill>
+                  <a:schemeClr val="tx1"/>
+                </a:solidFill>
+              </a:rPr>
+              <a:t>	l = </a:t>
+            </a:r>
+            <a:r>
+              <a:rPr lang="en-US" altLang="ko-KR" sz="1400">
+                <a:solidFill>
+                  <a:schemeClr val="tx1"/>
+                </a:solidFill>
+              </a:rPr>
+              <a:t>line</a:t>
+            </a:r>
+            <a:r>
+              <a:rPr lang="en-US" altLang="ko-KR" sz="1400" smtClean="0">
+                <a:solidFill>
+                  <a:schemeClr val="tx1"/>
+                </a:solidFill>
+              </a:rPr>
+              <a:t>.___.___(',')</a:t>
+            </a:r>
+            <a:endParaRPr lang="en-US" altLang="ko-KR" sz="1400">
+              <a:solidFill>
+                <a:schemeClr val="tx1"/>
+              </a:solidFill>
+            </a:endParaRPr>
+          </a:p>
+          <a:p>
+            <a:r>
+              <a:rPr lang="en-US" altLang="ko-KR" sz="1400">
+                <a:solidFill>
+                  <a:schemeClr val="tx1"/>
+                </a:solidFill>
+              </a:rPr>
+              <a:t>	for i in range(4): l[i] = float(l[i])</a:t>
+            </a:r>
+          </a:p>
+          <a:p>
+            <a:r>
+              <a:rPr lang="en-US" altLang="ko-KR" sz="1400">
+                <a:solidFill>
+                  <a:schemeClr val="tx1"/>
+                </a:solidFill>
+              </a:rPr>
+              <a:t>	l[4] </a:t>
+            </a:r>
+            <a:r>
+              <a:rPr lang="en-US" altLang="ko-KR" sz="1400">
+                <a:solidFill>
+                  <a:schemeClr val="tx1"/>
+                </a:solidFill>
+              </a:rPr>
+              <a:t>= </a:t>
+            </a:r>
+            <a:r>
+              <a:rPr lang="en-US" altLang="ko-KR" sz="1400" smtClean="0">
+                <a:solidFill>
+                  <a:schemeClr val="tx1"/>
+                </a:solidFill>
+              </a:rPr>
+              <a:t>___[</a:t>
+            </a:r>
+            <a:r>
+              <a:rPr lang="en-US" altLang="ko-KR" sz="1400">
+                <a:solidFill>
+                  <a:schemeClr val="tx1"/>
+                </a:solidFill>
+              </a:rPr>
+              <a:t>l[4]]</a:t>
+            </a:r>
+          </a:p>
+          <a:p>
+            <a:r>
+              <a:rPr lang="en-US" altLang="ko-KR" sz="1400">
+                <a:solidFill>
+                  <a:schemeClr val="tx1"/>
+                </a:solidFill>
+              </a:rPr>
+              <a:t>	data.append(l)</a:t>
+            </a:r>
+          </a:p>
+          <a:p>
+            <a:r>
+              <a:rPr lang="en-US" altLang="ko-KR" sz="1400">
+                <a:solidFill>
+                  <a:schemeClr val="tx1"/>
+                </a:solidFill>
+              </a:rPr>
+              <a:t>	</a:t>
+            </a:r>
+          </a:p>
+          <a:p>
+            <a:r>
+              <a:rPr lang="en-US" altLang="ko-KR" sz="1400">
+                <a:solidFill>
+                  <a:schemeClr val="tx1"/>
+                </a:solidFill>
+              </a:rPr>
+              <a:t>f.close()</a:t>
+            </a:r>
+          </a:p>
+          <a:p>
+            <a:endParaRPr lang="en-US" altLang="ko-KR" sz="1400">
+              <a:solidFill>
+                <a:schemeClr val="tx1"/>
+              </a:solidFill>
+            </a:endParaRPr>
+          </a:p>
+          <a:p>
+            <a:r>
+              <a:rPr lang="en-US" altLang="ko-KR" sz="1400">
+                <a:solidFill>
+                  <a:schemeClr val="tx1"/>
+                </a:solidFill>
+              </a:rPr>
+              <a:t>print(data)</a:t>
+            </a:r>
+          </a:p>
+          <a:p>
+            <a:r>
+              <a:rPr lang="en-US" altLang="ko-KR" sz="1400">
+                <a:solidFill>
+                  <a:schemeClr val="tx1"/>
+                </a:solidFill>
+              </a:rPr>
+              <a:t>print(columns)</a:t>
+            </a:r>
+            <a:endParaRPr lang="ko-KR" altLang="en-US" sz="1400">
+              <a:solidFill>
+                <a:schemeClr val="tx1"/>
+              </a:solidFill>
+            </a:endParaRPr>
           </a:p>
         </p:txBody>
       </p:sp>
     </p:spTree>
     <p:extLst>
       <p:ext uri="{BB962C8B-B14F-4D97-AF65-F5344CB8AC3E}">
-        <p14:creationId xmlns:p14="http://schemas.microsoft.com/office/powerpoint/2010/main" val="3138802946"/>
+        <p14:creationId xmlns:p14="http://schemas.microsoft.com/office/powerpoint/2010/main" val="296498569"/>
       </p:ext>
     </p:extLst>
   </p:cSld>
@@ -15051,129 +15558,41 @@
               <a:rPr lang="ko-KR" altLang="en-US" smtClean="0"/>
               <a:t>클래스</a:t>
             </a:r>
+            <a:r>
+              <a:rPr lang="en-US" altLang="ko-KR" smtClean="0"/>
+              <a:t>, </a:t>
+            </a:r>
+            <a:r>
+              <a:rPr lang="ko-KR" altLang="en-US" smtClean="0"/>
+              <a:t>모듈 등</a:t>
+            </a:r>
             <a:endParaRPr lang="ko-KR" altLang="en-US"/>
           </a:p>
         </p:txBody>
       </p:sp>
       <p:sp>
         <p:nvSpPr>
-          <p:cNvPr id="3" name="내용 개체 틀 2"/>
+          <p:cNvPr id="3" name="텍스트 개체 틀 2"/>
           <p:cNvSpPr>
             <a:spLocks noGrp="1"/>
           </p:cNvSpPr>
           <p:nvPr>
-            <p:ph idx="1"/>
+            <p:ph type="body" idx="1"/>
           </p:nvPr>
         </p:nvSpPr>
         <p:spPr/>
         <p:txBody>
-          <a:bodyPr>
-            <a:normAutofit/>
-          </a:bodyPr>
-          <a:lstStyle/>
-          <a:p>
-            <a:r>
-              <a:rPr lang="ko-KR" altLang="en-US" sz="1800"/>
-              <a:t>클래스에 대해서는 자세히 설명하지 않는다</a:t>
-            </a:r>
-            <a:r>
-              <a:rPr lang="en-US" altLang="ko-KR" sz="1800"/>
-              <a:t>. </a:t>
-            </a:r>
-            <a:r>
-              <a:rPr lang="ko-KR" altLang="en-US" sz="1800"/>
-              <a:t>이유는</a:t>
-            </a:r>
-            <a:r>
-              <a:rPr lang="en-US" altLang="ko-KR" sz="1800"/>
-              <a:t>...</a:t>
-            </a:r>
-          </a:p>
-          <a:p>
-            <a:pPr lvl="1"/>
-            <a:r>
-              <a:rPr lang="ko-KR" altLang="en-US" sz="1600"/>
-              <a:t>파이썬은 객체지향 언어이며</a:t>
-            </a:r>
-            <a:r>
-              <a:rPr lang="en-US" altLang="ko-KR" sz="1600"/>
-              <a:t>, </a:t>
-            </a:r>
-            <a:r>
-              <a:rPr lang="ko-KR" altLang="en-US" sz="1600"/>
-              <a:t>클래스의 기능도 자바에 못지않다</a:t>
-            </a:r>
-            <a:r>
-              <a:rPr lang="en-US" altLang="ko-KR" sz="1600"/>
-              <a:t>.</a:t>
-            </a:r>
-          </a:p>
-          <a:p>
-            <a:pPr lvl="1"/>
-            <a:r>
-              <a:rPr lang="ko-KR" altLang="en-US" sz="1600"/>
-              <a:t>하지만</a:t>
-            </a:r>
-            <a:r>
-              <a:rPr lang="en-US" altLang="ko-KR" sz="1600"/>
-              <a:t>, </a:t>
-            </a:r>
-            <a:r>
-              <a:rPr lang="ko-KR" altLang="en-US" sz="1600"/>
-              <a:t>파이썬을 쓰는 주요 목적은 빠른 시제품을 만들고 알고리즘을 테스트하는 것이다</a:t>
-            </a:r>
-            <a:r>
-              <a:rPr lang="en-US" altLang="ko-KR" sz="1600"/>
-              <a:t>.</a:t>
-            </a:r>
-          </a:p>
-          <a:p>
-            <a:pPr lvl="1"/>
-            <a:r>
-              <a:rPr lang="ko-KR" altLang="en-US" sz="1600"/>
-              <a:t>클래스를 사용하면 커다란 장점도 많지만</a:t>
-            </a:r>
-            <a:r>
-              <a:rPr lang="en-US" altLang="ko-KR" sz="1600"/>
-              <a:t>, </a:t>
-            </a:r>
-            <a:r>
-              <a:rPr lang="ko-KR" altLang="en-US" sz="1600"/>
-              <a:t>클래스간의 의존성을 주의깊게 체크해야 하고 가독성을 떨어뜨릴 가능성이 크다</a:t>
-            </a:r>
-            <a:r>
-              <a:rPr lang="en-US" altLang="ko-KR" sz="1600"/>
-              <a:t>.</a:t>
-            </a:r>
-          </a:p>
-          <a:p>
-            <a:pPr lvl="1"/>
-            <a:r>
-              <a:rPr lang="ko-KR" altLang="en-US" sz="1600"/>
-              <a:t>일단 클래스에 대해서는 기본적인 기능만 익히고</a:t>
-            </a:r>
-            <a:r>
-              <a:rPr lang="en-US" altLang="ko-KR" sz="1600"/>
-              <a:t>, </a:t>
-            </a:r>
-            <a:r>
-              <a:rPr lang="ko-KR" altLang="en-US" sz="1600"/>
-              <a:t>향후 여러 개발자와 협력해야 하거나 개발 마지막 단계에서 패키징 할 때 상세한 내용을 공부하는 것이 좋을 것이다</a:t>
-            </a:r>
-            <a:r>
-              <a:rPr lang="en-US" altLang="ko-KR" sz="1600"/>
-              <a:t>.</a:t>
-            </a:r>
-          </a:p>
-          <a:p>
-            <a:endParaRPr lang="ko-KR" altLang="en-US" sz="1800"/>
+          <a:bodyPr/>
+          <a:lstStyle/>
+          <a:p>
+            <a:endParaRPr lang="ko-KR" altLang="en-US"/>
           </a:p>
         </p:txBody>
       </p:sp>
     </p:spTree>
     <p:extLst>
       <p:ext uri="{BB962C8B-B14F-4D97-AF65-F5344CB8AC3E}">
-        <p14:creationId xmlns:p14="http://schemas.microsoft.com/office/powerpoint/2010/main" val="1011965494"/>
+        <p14:creationId xmlns:p14="http://schemas.microsoft.com/office/powerpoint/2010/main" val="3138802946"/>
       </p:ext>
     </p:extLst>
   </p:cSld>
@@ -15217,7 +15636,7 @@
           <a:p>
             <a:r>
               <a:rPr lang="ko-KR" altLang="en-US" smtClean="0"/>
-              <a:t>클래스 기본</a:t>
+              <a:t>클래스</a:t>
             </a:r>
             <a:endParaRPr lang="ko-KR" altLang="en-US"/>
           </a:p>
@@ -15225,694 +15644,123 @@
       </p:sp>
       <p:sp>
         <p:nvSpPr>
-          <p:cNvPr id="3" name="TextBox 2"/>
-          <p:cNvSpPr txBox="1"/>
-          <p:nvPr/>
-        </p:nvSpPr>
-        <p:spPr>
-          <a:xfrm>
-            <a:off x="755576" y="1712997"/>
-            <a:ext cx="7723532" cy="3231654"/>
-          </a:xfrm>
-          <a:prstGeom prst="rect">
-            <a:avLst/>
-          </a:prstGeom>
-          <a:solidFill>
-            <a:schemeClr val="bg1">
-              <a:lumMod val="95000"/>
-            </a:schemeClr>
-          </a:solidFill>
-          <a:ln>
-            <a:solidFill>
-              <a:schemeClr val="tx1"/>
-            </a:solidFill>
-          </a:ln>
-        </p:spPr>
-        <p:txBody>
-          <a:bodyPr wrap="square" rtlCol="0">
-            <a:spAutoFit/>
+          <p:cNvPr id="3" name="내용 개체 틀 2"/>
+          <p:cNvSpPr>
+            <a:spLocks noGrp="1"/>
+          </p:cNvSpPr>
+          <p:nvPr>
+            <p:ph idx="1"/>
+          </p:nvPr>
+        </p:nvSpPr>
+        <p:spPr/>
+        <p:txBody>
+          <a:bodyPr>
+            <a:normAutofit/>
           </a:bodyPr>
           <a:lstStyle/>
           <a:p>
             <a:r>
-              <a:rPr lang="en-US" altLang="ko-KR" sz="1200" smtClean="0">
-                <a:latin typeface="Consolas" pitchFamily="49" charset="0"/>
-                <a:cs typeface="Consolas" pitchFamily="49" charset="0"/>
-              </a:rPr>
-              <a:t>class </a:t>
-            </a:r>
-            <a:r>
-              <a:rPr lang="en-US" altLang="ko-KR" sz="1200">
-                <a:latin typeface="Consolas" pitchFamily="49" charset="0"/>
-                <a:cs typeface="Consolas" pitchFamily="49" charset="0"/>
-              </a:rPr>
-              <a:t>MyClass:</a:t>
-            </a:r>
-          </a:p>
-          <a:p>
-            <a:r>
-              <a:rPr lang="en-US" altLang="ko-KR" sz="1200">
-                <a:latin typeface="Consolas" pitchFamily="49" charset="0"/>
-                <a:cs typeface="Consolas" pitchFamily="49" charset="0"/>
-              </a:rPr>
-              <a:t>	def __init__(</a:t>
-            </a:r>
-            <a:r>
-              <a:rPr lang="en-US" altLang="ko-KR" sz="1200" b="1">
-                <a:solidFill>
-                  <a:srgbClr val="FF0000"/>
-                </a:solidFill>
-                <a:latin typeface="Consolas" pitchFamily="49" charset="0"/>
-                <a:cs typeface="Consolas" pitchFamily="49" charset="0"/>
-              </a:rPr>
-              <a:t>self</a:t>
-            </a:r>
-            <a:r>
-              <a:rPr lang="en-US" altLang="ko-KR" sz="1200">
-                <a:latin typeface="Consolas" pitchFamily="49" charset="0"/>
-                <a:cs typeface="Consolas" pitchFamily="49" charset="0"/>
-              </a:rPr>
-              <a:t>, name, count):</a:t>
-            </a:r>
-          </a:p>
-          <a:p>
-            <a:r>
-              <a:rPr lang="en-US" altLang="ko-KR" sz="1200">
-                <a:latin typeface="Consolas" pitchFamily="49" charset="0"/>
-                <a:cs typeface="Consolas" pitchFamily="49" charset="0"/>
-              </a:rPr>
-              <a:t>		</a:t>
-            </a:r>
-            <a:r>
-              <a:rPr lang="en-US" altLang="ko-KR" sz="1200" b="1">
-                <a:solidFill>
-                  <a:srgbClr val="FF0000"/>
-                </a:solidFill>
-                <a:latin typeface="Consolas" pitchFamily="49" charset="0"/>
-                <a:cs typeface="Consolas" pitchFamily="49" charset="0"/>
-              </a:rPr>
-              <a:t>self</a:t>
-            </a:r>
-            <a:r>
-              <a:rPr lang="en-US" altLang="ko-KR" sz="1200">
-                <a:latin typeface="Consolas" pitchFamily="49" charset="0"/>
-                <a:cs typeface="Consolas" pitchFamily="49" charset="0"/>
-              </a:rPr>
-              <a:t>.name = name</a:t>
-            </a:r>
-          </a:p>
-          <a:p>
-            <a:r>
-              <a:rPr lang="en-US" altLang="ko-KR" sz="1200">
-                <a:latin typeface="Consolas" pitchFamily="49" charset="0"/>
-                <a:cs typeface="Consolas" pitchFamily="49" charset="0"/>
-              </a:rPr>
-              <a:t>		</a:t>
-            </a:r>
-            <a:r>
-              <a:rPr lang="en-US" altLang="ko-KR" sz="1200" b="1">
-                <a:solidFill>
-                  <a:srgbClr val="FF0000"/>
-                </a:solidFill>
-                <a:latin typeface="Consolas" pitchFamily="49" charset="0"/>
-                <a:cs typeface="Consolas" pitchFamily="49" charset="0"/>
-              </a:rPr>
-              <a:t>self</a:t>
-            </a:r>
-            <a:r>
-              <a:rPr lang="en-US" altLang="ko-KR" sz="1200">
-                <a:latin typeface="Consolas" pitchFamily="49" charset="0"/>
-                <a:cs typeface="Consolas" pitchFamily="49" charset="0"/>
-              </a:rPr>
-              <a:t>.count = count</a:t>
-            </a:r>
-          </a:p>
-          <a:p>
-            <a:r>
-              <a:rPr lang="en-US" altLang="ko-KR" sz="1200">
-                <a:latin typeface="Consolas" pitchFamily="49" charset="0"/>
-                <a:cs typeface="Consolas" pitchFamily="49" charset="0"/>
-              </a:rPr>
-              <a:t>		</a:t>
-            </a:r>
-          </a:p>
-          <a:p>
-            <a:r>
-              <a:rPr lang="en-US" altLang="ko-KR" sz="1200">
-                <a:latin typeface="Consolas" pitchFamily="49" charset="0"/>
-                <a:cs typeface="Consolas" pitchFamily="49" charset="0"/>
-              </a:rPr>
-              <a:t>	def info(</a:t>
-            </a:r>
-            <a:r>
-              <a:rPr lang="en-US" altLang="ko-KR" sz="1200" b="1">
-                <a:solidFill>
-                  <a:srgbClr val="FF0000"/>
-                </a:solidFill>
-                <a:latin typeface="Consolas" pitchFamily="49" charset="0"/>
-                <a:cs typeface="Consolas" pitchFamily="49" charset="0"/>
-              </a:rPr>
-              <a:t>self</a:t>
-            </a:r>
-            <a:r>
-              <a:rPr lang="en-US" altLang="ko-KR" sz="1200">
-                <a:latin typeface="Consolas" pitchFamily="49" charset="0"/>
-                <a:cs typeface="Consolas" pitchFamily="49" charset="0"/>
-              </a:rPr>
-              <a:t>):</a:t>
-            </a:r>
-          </a:p>
-          <a:p>
-            <a:r>
-              <a:rPr lang="en-US" altLang="ko-KR" sz="1200">
-                <a:latin typeface="Consolas" pitchFamily="49" charset="0"/>
-                <a:cs typeface="Consolas" pitchFamily="49" charset="0"/>
-              </a:rPr>
-              <a:t>		return ('MyClass: name=%s, count=%d' % (</a:t>
-            </a:r>
-            <a:r>
-              <a:rPr lang="en-US" altLang="ko-KR" sz="1200" b="1">
-                <a:solidFill>
-                  <a:srgbClr val="FF0000"/>
-                </a:solidFill>
-                <a:latin typeface="Consolas" pitchFamily="49" charset="0"/>
-                <a:cs typeface="Consolas" pitchFamily="49" charset="0"/>
-              </a:rPr>
-              <a:t>self</a:t>
-            </a:r>
-            <a:r>
-              <a:rPr lang="en-US" altLang="ko-KR" sz="1200">
-                <a:latin typeface="Consolas" pitchFamily="49" charset="0"/>
-                <a:cs typeface="Consolas" pitchFamily="49" charset="0"/>
-              </a:rPr>
-              <a:t>.name,</a:t>
-            </a:r>
-            <a:r>
-              <a:rPr lang="en-US" altLang="ko-KR" sz="1200" b="1">
-                <a:solidFill>
-                  <a:srgbClr val="FF0000"/>
-                </a:solidFill>
-                <a:latin typeface="Consolas" pitchFamily="49" charset="0"/>
-                <a:cs typeface="Consolas" pitchFamily="49" charset="0"/>
-              </a:rPr>
-              <a:t>self</a:t>
-            </a:r>
-            <a:r>
-              <a:rPr lang="en-US" altLang="ko-KR" sz="1200">
-                <a:latin typeface="Consolas" pitchFamily="49" charset="0"/>
-                <a:cs typeface="Consolas" pitchFamily="49" charset="0"/>
-              </a:rPr>
-              <a:t>.count))</a:t>
-            </a:r>
-          </a:p>
-          <a:p>
-            <a:r>
-              <a:rPr lang="en-US" altLang="ko-KR" sz="1200">
-                <a:latin typeface="Consolas" pitchFamily="49" charset="0"/>
-                <a:cs typeface="Consolas" pitchFamily="49" charset="0"/>
-              </a:rPr>
-              <a:t>		</a:t>
-            </a:r>
-          </a:p>
-          <a:p>
-            <a:r>
-              <a:rPr lang="en-US" altLang="ko-KR" sz="1200">
-                <a:latin typeface="Consolas" pitchFamily="49" charset="0"/>
-                <a:cs typeface="Consolas" pitchFamily="49" charset="0"/>
-              </a:rPr>
-              <a:t>	def __str__(</a:t>
-            </a:r>
-            <a:r>
-              <a:rPr lang="en-US" altLang="ko-KR" sz="1200" b="1">
-                <a:solidFill>
-                  <a:srgbClr val="FF0000"/>
-                </a:solidFill>
-                <a:latin typeface="Consolas" pitchFamily="49" charset="0"/>
-                <a:cs typeface="Consolas" pitchFamily="49" charset="0"/>
-              </a:rPr>
-              <a:t>self</a:t>
-            </a:r>
-            <a:r>
-              <a:rPr lang="en-US" altLang="ko-KR" sz="1200">
-                <a:latin typeface="Consolas" pitchFamily="49" charset="0"/>
-                <a:cs typeface="Consolas" pitchFamily="49" charset="0"/>
-              </a:rPr>
-              <a:t>):</a:t>
-            </a:r>
-          </a:p>
-          <a:p>
-            <a:r>
-              <a:rPr lang="en-US" altLang="ko-KR" sz="1200">
-                <a:latin typeface="Consolas" pitchFamily="49" charset="0"/>
-                <a:cs typeface="Consolas" pitchFamily="49" charset="0"/>
-              </a:rPr>
-              <a:t>		return </a:t>
-            </a:r>
-            <a:r>
-              <a:rPr lang="en-US" altLang="ko-KR" sz="1200" b="1">
-                <a:solidFill>
-                  <a:srgbClr val="FF0000"/>
-                </a:solidFill>
-                <a:latin typeface="Consolas" pitchFamily="49" charset="0"/>
-                <a:cs typeface="Consolas" pitchFamily="49" charset="0"/>
-              </a:rPr>
-              <a:t>self</a:t>
-            </a:r>
-            <a:r>
-              <a:rPr lang="en-US" altLang="ko-KR" sz="1200">
-                <a:latin typeface="Consolas" pitchFamily="49" charset="0"/>
-                <a:cs typeface="Consolas" pitchFamily="49" charset="0"/>
-              </a:rPr>
-              <a:t>.info()</a:t>
-            </a:r>
-          </a:p>
-          <a:p>
-            <a:r>
-              <a:rPr lang="en-US" altLang="ko-KR" sz="1200">
-                <a:latin typeface="Consolas" pitchFamily="49" charset="0"/>
-                <a:cs typeface="Consolas" pitchFamily="49" charset="0"/>
-              </a:rPr>
-              <a:t>		</a:t>
-            </a:r>
-          </a:p>
-          <a:p>
-            <a:r>
-              <a:rPr lang="en-US" altLang="ko-KR" sz="1200">
-                <a:latin typeface="Consolas" pitchFamily="49" charset="0"/>
-                <a:cs typeface="Consolas" pitchFamily="49" charset="0"/>
-              </a:rPr>
-              <a:t>	def __repr__(</a:t>
-            </a:r>
-            <a:r>
-              <a:rPr lang="en-US" altLang="ko-KR" sz="1200" b="1">
-                <a:solidFill>
-                  <a:srgbClr val="FF0000"/>
-                </a:solidFill>
-                <a:latin typeface="Consolas" pitchFamily="49" charset="0"/>
-                <a:cs typeface="Consolas" pitchFamily="49" charset="0"/>
-              </a:rPr>
-              <a:t>self</a:t>
-            </a:r>
-            <a:r>
-              <a:rPr lang="en-US" altLang="ko-KR" sz="1200">
-                <a:latin typeface="Consolas" pitchFamily="49" charset="0"/>
-                <a:cs typeface="Consolas" pitchFamily="49" charset="0"/>
-              </a:rPr>
-              <a:t>):</a:t>
-            </a:r>
-          </a:p>
-          <a:p>
-            <a:r>
-              <a:rPr lang="en-US" altLang="ko-KR" sz="1200">
-                <a:latin typeface="Consolas" pitchFamily="49" charset="0"/>
-                <a:cs typeface="Consolas" pitchFamily="49" charset="0"/>
-              </a:rPr>
-              <a:t>		return 'MyClass: ' + </a:t>
-            </a:r>
-            <a:r>
-              <a:rPr lang="en-US" altLang="ko-KR" sz="1200" b="1">
-                <a:solidFill>
-                  <a:srgbClr val="FF0000"/>
-                </a:solidFill>
-                <a:latin typeface="Consolas" pitchFamily="49" charset="0"/>
-                <a:cs typeface="Consolas" pitchFamily="49" charset="0"/>
-              </a:rPr>
-              <a:t>self</a:t>
-            </a:r>
-            <a:r>
-              <a:rPr lang="en-US" altLang="ko-KR" sz="1200">
-                <a:latin typeface="Consolas" pitchFamily="49" charset="0"/>
-                <a:cs typeface="Consolas" pitchFamily="49" charset="0"/>
-              </a:rPr>
-              <a:t>.info()</a:t>
-            </a:r>
-          </a:p>
-          <a:p>
-            <a:r>
-              <a:rPr lang="en-US" altLang="ko-KR" sz="1200">
-                <a:latin typeface="Consolas" pitchFamily="49" charset="0"/>
-                <a:cs typeface="Consolas" pitchFamily="49" charset="0"/>
-              </a:rPr>
-              <a:t>		</a:t>
-            </a:r>
-          </a:p>
-          <a:p>
-            <a:r>
-              <a:rPr lang="en-US" altLang="ko-KR" sz="1200">
-                <a:latin typeface="Consolas" pitchFamily="49" charset="0"/>
-                <a:cs typeface="Consolas" pitchFamily="49" charset="0"/>
-              </a:rPr>
-              <a:t>c=MyClass('apple',3)</a:t>
-            </a:r>
-          </a:p>
-          <a:p>
-            <a:r>
-              <a:rPr lang="en-US" altLang="ko-KR" sz="1200">
-                <a:latin typeface="Consolas" pitchFamily="49" charset="0"/>
-                <a:cs typeface="Consolas" pitchFamily="49" charset="0"/>
-              </a:rPr>
-              <a:t>print(c.info())</a:t>
-            </a:r>
-          </a:p>
-          <a:p>
-            <a:r>
-              <a:rPr lang="en-US" altLang="ko-KR" sz="1200">
-                <a:latin typeface="Consolas" pitchFamily="49" charset="0"/>
-                <a:cs typeface="Consolas" pitchFamily="49" charset="0"/>
-              </a:rPr>
-              <a:t>print(c)</a:t>
-            </a:r>
-          </a:p>
-        </p:txBody>
-      </p:sp>
-      <p:sp>
-        <p:nvSpPr>
-          <p:cNvPr id="4" name="타원형 설명선 3"/>
-          <p:cNvSpPr/>
-          <p:nvPr/>
-        </p:nvSpPr>
-        <p:spPr bwMode="auto">
-          <a:xfrm>
-            <a:off x="5220072" y="1628800"/>
-            <a:ext cx="2880320" cy="428278"/>
-          </a:xfrm>
-          <a:prstGeom prst="wedgeEllipseCallout">
-            <a:avLst>
-              <a:gd name="adj1" fmla="val -74340"/>
-              <a:gd name="adj2" fmla="val 32676"/>
-            </a:avLst>
-          </a:prstGeom>
-          <a:solidFill>
-            <a:srgbClr val="FFFF00"/>
-          </a:solidFill>
-          <a:ln w="9525" cap="flat" cmpd="sng" algn="ctr">
-            <a:solidFill>
-              <a:srgbClr val="808080"/>
-            </a:solidFill>
-            <a:prstDash val="solid"/>
-            <a:round/>
-            <a:headEnd type="none" w="med" len="med"/>
-            <a:tailEnd type="none" w="med" len="med"/>
-          </a:ln>
-          <a:effectLst/>
-        </p:spPr>
-        <p:txBody>
-          <a:bodyPr vert="horz" wrap="none" lIns="92075" tIns="46038" rIns="92075" bIns="46038" numCol="1" rtlCol="0" anchor="ctr" anchorCtr="0" compatLnSpc="1">
-            <a:prstTxWarp prst="textNoShape">
-              <a:avLst/>
-            </a:prstTxWarp>
-          </a:bodyPr>
-          <a:lstStyle/>
-          <a:p>
-            <a:pPr marL="0" marR="0" indent="0" algn="ctr" defTabSz="914400" rtl="0" eaLnBrk="1" fontAlgn="base" latinLnBrk="0" hangingPunct="1">
-              <a:lnSpc>
-                <a:spcPct val="100000"/>
-              </a:lnSpc>
-              <a:spcBef>
-                <a:spcPct val="0"/>
-              </a:spcBef>
-              <a:spcAft>
-                <a:spcPct val="0"/>
-              </a:spcAft>
-              <a:buClrTx/>
-              <a:buSzTx/>
-              <a:buFontTx/>
-              <a:buNone/>
-              <a:tabLst/>
-            </a:pPr>
-            <a:r>
-              <a:rPr lang="ko-KR" altLang="en-US" sz="1200" smtClean="0">
-                <a:latin typeface="맑은 고딕" pitchFamily="50" charset="-127"/>
-                <a:ea typeface="맑은 고딕" pitchFamily="50" charset="-127"/>
-              </a:rPr>
-              <a:t>초기화 함수 </a:t>
-            </a:r>
-            <a:r>
-              <a:rPr lang="en-US" altLang="ko-KR" sz="1200" smtClean="0">
-                <a:latin typeface="맑은 고딕" pitchFamily="50" charset="-127"/>
-                <a:ea typeface="맑은 고딕" pitchFamily="50" charset="-127"/>
-              </a:rPr>
-              <a:t>__init__</a:t>
-            </a:r>
-          </a:p>
-        </p:txBody>
-      </p:sp>
-      <p:sp>
-        <p:nvSpPr>
-          <p:cNvPr id="5" name="타원형 설명선 4"/>
-          <p:cNvSpPr/>
-          <p:nvPr/>
-        </p:nvSpPr>
-        <p:spPr bwMode="auto">
-          <a:xfrm>
-            <a:off x="5186401" y="2204864"/>
-            <a:ext cx="2880320" cy="428278"/>
-          </a:xfrm>
-          <a:prstGeom prst="wedgeEllipseCallout">
-            <a:avLst>
-              <a:gd name="adj1" fmla="val -119692"/>
-              <a:gd name="adj2" fmla="val 77041"/>
-            </a:avLst>
-          </a:prstGeom>
-          <a:solidFill>
-            <a:srgbClr val="FFFF00"/>
-          </a:solidFill>
-          <a:ln w="9525" cap="flat" cmpd="sng" algn="ctr">
-            <a:solidFill>
-              <a:srgbClr val="808080"/>
-            </a:solidFill>
-            <a:prstDash val="solid"/>
-            <a:round/>
-            <a:headEnd type="none" w="med" len="med"/>
-            <a:tailEnd type="none" w="med" len="med"/>
-          </a:ln>
-          <a:effectLst/>
-        </p:spPr>
-        <p:txBody>
-          <a:bodyPr vert="horz" wrap="none" lIns="92075" tIns="46038" rIns="92075" bIns="46038" numCol="1" rtlCol="0" anchor="ctr" anchorCtr="0" compatLnSpc="1">
-            <a:prstTxWarp prst="textNoShape">
-              <a:avLst/>
-            </a:prstTxWarp>
-          </a:bodyPr>
-          <a:lstStyle/>
-          <a:p>
-            <a:pPr marL="0" marR="0" indent="0" algn="ctr" defTabSz="914400" rtl="0" eaLnBrk="1" fontAlgn="base" latinLnBrk="0" hangingPunct="1">
-              <a:lnSpc>
-                <a:spcPct val="100000"/>
-              </a:lnSpc>
-              <a:spcBef>
-                <a:spcPct val="0"/>
-              </a:spcBef>
-              <a:spcAft>
-                <a:spcPct val="0"/>
-              </a:spcAft>
-              <a:buClrTx/>
-              <a:buSzTx/>
-              <a:buFontTx/>
-              <a:buNone/>
-              <a:tabLst/>
-            </a:pPr>
-            <a:r>
-              <a:rPr lang="ko-KR" altLang="en-US" sz="1200" smtClean="0">
-                <a:latin typeface="맑은 고딕" pitchFamily="50" charset="-127"/>
-                <a:ea typeface="맑은 고딕" pitchFamily="50" charset="-127"/>
-              </a:rPr>
-              <a:t>사용자정의 함수</a:t>
-            </a:r>
-            <a:endParaRPr lang="en-US" altLang="ko-KR" sz="1200" smtClean="0">
-              <a:latin typeface="맑은 고딕" pitchFamily="50" charset="-127"/>
-              <a:ea typeface="맑은 고딕" pitchFamily="50" charset="-127"/>
-            </a:endParaRPr>
-          </a:p>
-        </p:txBody>
-      </p:sp>
-      <p:sp>
-        <p:nvSpPr>
-          <p:cNvPr id="6" name="타원형 설명선 5"/>
-          <p:cNvSpPr/>
-          <p:nvPr/>
-        </p:nvSpPr>
-        <p:spPr bwMode="auto">
-          <a:xfrm>
-            <a:off x="5220072" y="3153450"/>
-            <a:ext cx="2880320" cy="428278"/>
-          </a:xfrm>
-          <a:prstGeom prst="wedgeEllipseCallout">
-            <a:avLst>
-              <a:gd name="adj1" fmla="val -74340"/>
-              <a:gd name="adj2" fmla="val 32676"/>
-            </a:avLst>
-          </a:prstGeom>
-          <a:solidFill>
-            <a:srgbClr val="FFFF00"/>
-          </a:solidFill>
-          <a:ln w="9525" cap="flat" cmpd="sng" algn="ctr">
-            <a:solidFill>
-              <a:srgbClr val="808080"/>
-            </a:solidFill>
-            <a:prstDash val="solid"/>
-            <a:round/>
-            <a:headEnd type="none" w="med" len="med"/>
-            <a:tailEnd type="none" w="med" len="med"/>
-          </a:ln>
-          <a:effectLst/>
-        </p:spPr>
-        <p:txBody>
-          <a:bodyPr vert="horz" wrap="none" lIns="92075" tIns="46038" rIns="92075" bIns="46038" numCol="1" rtlCol="0" anchor="ctr" anchorCtr="0" compatLnSpc="1">
-            <a:prstTxWarp prst="textNoShape">
-              <a:avLst/>
-            </a:prstTxWarp>
-          </a:bodyPr>
-          <a:lstStyle/>
-          <a:p>
-            <a:pPr marL="0" marR="0" indent="0" algn="ctr" defTabSz="914400" rtl="0" eaLnBrk="1" fontAlgn="base" latinLnBrk="0" hangingPunct="1">
-              <a:lnSpc>
-                <a:spcPct val="100000"/>
-              </a:lnSpc>
-              <a:spcBef>
-                <a:spcPct val="0"/>
-              </a:spcBef>
-              <a:spcAft>
-                <a:spcPct val="0"/>
-              </a:spcAft>
-              <a:buClrTx/>
-              <a:buSzTx/>
-              <a:buFontTx/>
-              <a:buNone/>
-              <a:tabLst/>
-            </a:pPr>
-            <a:r>
-              <a:rPr lang="en-US" altLang="ko-KR" sz="1200" smtClean="0">
-                <a:latin typeface="맑은 고딕" pitchFamily="50" charset="-127"/>
-                <a:ea typeface="맑은 고딕" pitchFamily="50" charset="-127"/>
-              </a:rPr>
-              <a:t>print() </a:t>
-            </a:r>
-            <a:r>
-              <a:rPr lang="ko-KR" altLang="en-US" sz="1200" smtClean="0">
-                <a:latin typeface="맑은 고딕" pitchFamily="50" charset="-127"/>
-                <a:ea typeface="맑은 고딕" pitchFamily="50" charset="-127"/>
-              </a:rPr>
-              <a:t>문에서 출력 내용</a:t>
-            </a:r>
-            <a:endParaRPr lang="en-US" altLang="ko-KR" sz="1200" smtClean="0">
-              <a:latin typeface="맑은 고딕" pitchFamily="50" charset="-127"/>
-              <a:ea typeface="맑은 고딕" pitchFamily="50" charset="-127"/>
-            </a:endParaRPr>
-          </a:p>
-        </p:txBody>
-      </p:sp>
-      <p:sp>
-        <p:nvSpPr>
-          <p:cNvPr id="7" name="타원형 설명선 6"/>
-          <p:cNvSpPr/>
-          <p:nvPr/>
-        </p:nvSpPr>
-        <p:spPr bwMode="auto">
-          <a:xfrm>
-            <a:off x="5436096" y="3933056"/>
-            <a:ext cx="2880320" cy="428278"/>
-          </a:xfrm>
-          <a:prstGeom prst="wedgeEllipseCallout">
-            <a:avLst>
-              <a:gd name="adj1" fmla="val -44655"/>
-              <a:gd name="adj2" fmla="val -42190"/>
-            </a:avLst>
-          </a:prstGeom>
-          <a:solidFill>
-            <a:srgbClr val="FFFF00"/>
-          </a:solidFill>
-          <a:ln w="9525" cap="flat" cmpd="sng" algn="ctr">
-            <a:solidFill>
-              <a:srgbClr val="808080"/>
-            </a:solidFill>
-            <a:prstDash val="solid"/>
-            <a:round/>
-            <a:headEnd type="none" w="med" len="med"/>
-            <a:tailEnd type="none" w="med" len="med"/>
-          </a:ln>
-          <a:effectLst/>
-        </p:spPr>
-        <p:txBody>
-          <a:bodyPr vert="horz" wrap="none" lIns="92075" tIns="46038" rIns="92075" bIns="46038" numCol="1" rtlCol="0" anchor="ctr" anchorCtr="0" compatLnSpc="1">
-            <a:prstTxWarp prst="textNoShape">
-              <a:avLst/>
-            </a:prstTxWarp>
-          </a:bodyPr>
-          <a:lstStyle/>
-          <a:p>
-            <a:pPr marL="0" marR="0" indent="0" algn="ctr" defTabSz="914400" rtl="0" eaLnBrk="1" fontAlgn="base" latinLnBrk="0" hangingPunct="1">
-              <a:lnSpc>
-                <a:spcPct val="100000"/>
-              </a:lnSpc>
-              <a:spcBef>
-                <a:spcPct val="0"/>
-              </a:spcBef>
-              <a:spcAft>
-                <a:spcPct val="0"/>
-              </a:spcAft>
-              <a:buClrTx/>
-              <a:buSzTx/>
-              <a:buFontTx/>
-              <a:buNone/>
-              <a:tabLst/>
-            </a:pPr>
-            <a:r>
-              <a:rPr lang="ko-KR" altLang="en-US" sz="1200" smtClean="0">
-                <a:latin typeface="맑은 고딕" pitchFamily="50" charset="-127"/>
-                <a:ea typeface="맑은 고딕" pitchFamily="50" charset="-127"/>
-              </a:rPr>
-              <a:t>인터프리터에서 정보 출력</a:t>
-            </a:r>
-            <a:endParaRPr lang="en-US" altLang="ko-KR" sz="1200" smtClean="0">
-              <a:latin typeface="맑은 고딕" pitchFamily="50" charset="-127"/>
-              <a:ea typeface="맑은 고딕" pitchFamily="50" charset="-127"/>
-            </a:endParaRPr>
-          </a:p>
-        </p:txBody>
-      </p:sp>
-      <p:sp>
-        <p:nvSpPr>
-          <p:cNvPr id="9" name="TextBox 8"/>
-          <p:cNvSpPr txBox="1"/>
-          <p:nvPr/>
-        </p:nvSpPr>
-        <p:spPr>
-          <a:xfrm>
-            <a:off x="1475656" y="5589240"/>
-            <a:ext cx="4193777" cy="369332"/>
-          </a:xfrm>
-          <a:prstGeom prst="rect">
-            <a:avLst/>
-          </a:prstGeom>
-          <a:noFill/>
-        </p:spPr>
-        <p:txBody>
-          <a:bodyPr wrap="none" rtlCol="0">
-            <a:spAutoFit/>
-          </a:bodyPr>
-          <a:lstStyle/>
-          <a:p>
-            <a:r>
-              <a:rPr lang="en-US" altLang="ko-KR" smtClean="0"/>
-              <a:t>* self </a:t>
-            </a:r>
-            <a:r>
-              <a:rPr lang="ko-KR" altLang="en-US" smtClean="0"/>
-              <a:t>를 잊어버리지 말고 꼭 적어주자</a:t>
-            </a:r>
-            <a:r>
-              <a:rPr lang="en-US" altLang="ko-KR" smtClean="0"/>
-              <a:t>!</a:t>
-            </a:r>
-            <a:endParaRPr lang="ko-KR" altLang="en-US"/>
+              <a:rPr lang="ko-KR" altLang="en-US" sz="1800"/>
+              <a:t>클래스에 대해서는 자세히 설명하지 않는다</a:t>
+            </a:r>
+            <a:r>
+              <a:rPr lang="en-US" altLang="ko-KR" sz="1800"/>
+              <a:t>. </a:t>
+            </a:r>
+            <a:r>
+              <a:rPr lang="ko-KR" altLang="en-US" sz="1800"/>
+              <a:t>이유는</a:t>
+            </a:r>
+            <a:r>
+              <a:rPr lang="en-US" altLang="ko-KR" sz="1800"/>
+              <a:t>...</a:t>
+            </a:r>
+          </a:p>
+          <a:p>
+            <a:pPr lvl="1"/>
+            <a:r>
+              <a:rPr lang="ko-KR" altLang="en-US" sz="1600"/>
+              <a:t>파이썬은 객체지향 언어이며</a:t>
+            </a:r>
+            <a:r>
+              <a:rPr lang="en-US" altLang="ko-KR" sz="1600"/>
+              <a:t>, </a:t>
+            </a:r>
+            <a:r>
+              <a:rPr lang="ko-KR" altLang="en-US" sz="1600"/>
+              <a:t>클래스의 기능도 자바에 못지않다</a:t>
+            </a:r>
+            <a:r>
+              <a:rPr lang="en-US" altLang="ko-KR" sz="1600"/>
+              <a:t>.</a:t>
+            </a:r>
+          </a:p>
+          <a:p>
+            <a:pPr lvl="1"/>
+            <a:r>
+              <a:rPr lang="ko-KR" altLang="en-US" sz="1600"/>
+              <a:t>하지만</a:t>
+            </a:r>
+            <a:r>
+              <a:rPr lang="en-US" altLang="ko-KR" sz="1600"/>
+              <a:t>, </a:t>
+            </a:r>
+            <a:r>
+              <a:rPr lang="ko-KR" altLang="en-US" sz="1600"/>
+              <a:t>파이썬을 쓰는 주요 목적은 빠른 시제품을 만들고 알고리즘을 테스트하는 것이다</a:t>
+            </a:r>
+            <a:r>
+              <a:rPr lang="en-US" altLang="ko-KR" sz="1600"/>
+              <a:t>.</a:t>
+            </a:r>
+          </a:p>
+          <a:p>
+            <a:pPr lvl="1"/>
+            <a:r>
+              <a:rPr lang="ko-KR" altLang="en-US" sz="1600"/>
+              <a:t>클래스를 사용하면 커다란 장점도 많지만</a:t>
+            </a:r>
+            <a:r>
+              <a:rPr lang="en-US" altLang="ko-KR" sz="1600"/>
+              <a:t>, </a:t>
+            </a:r>
+            <a:r>
+              <a:rPr lang="ko-KR" altLang="en-US" sz="1600"/>
+              <a:t>클래스간의 의존성을 주의깊게 체크해야 하고 가독성을 떨어뜨릴 가능성이 크다</a:t>
+            </a:r>
+            <a:r>
+              <a:rPr lang="en-US" altLang="ko-KR" sz="1600"/>
+              <a:t>.</a:t>
+            </a:r>
+          </a:p>
+          <a:p>
+            <a:pPr lvl="1"/>
+            <a:r>
+              <a:rPr lang="ko-KR" altLang="en-US" sz="1600"/>
+              <a:t>일단 클래스에 대해서는 기본적인 기능만 익히고</a:t>
+            </a:r>
+            <a:r>
+              <a:rPr lang="en-US" altLang="ko-KR" sz="1600"/>
+              <a:t>, </a:t>
+            </a:r>
+            <a:r>
+              <a:rPr lang="ko-KR" altLang="en-US" sz="1600"/>
+              <a:t>향후 여러 개발자와 협력해야 하거나 개발 마지막 단계에서 패키징 할 때 상세한 내용을 공부하는 것이 좋을 것이다</a:t>
+            </a:r>
+            <a:r>
+              <a:rPr lang="en-US" altLang="ko-KR" sz="1600"/>
+              <a:t>.</a:t>
+            </a:r>
+          </a:p>
+          <a:p>
+            <a:endParaRPr lang="ko-KR" altLang="en-US" sz="1800"/>
           </a:p>
         </p:txBody>
       </p:sp>
     </p:spTree>
     <p:extLst>
       <p:ext uri="{BB962C8B-B14F-4D97-AF65-F5344CB8AC3E}">
-        <p14:creationId xmlns:p14="http://schemas.microsoft.com/office/powerpoint/2010/main" val="1491957632"/>
+        <p14:creationId xmlns:p14="http://schemas.microsoft.com/office/powerpoint/2010/main" val="1011965494"/>
       </p:ext>
     </p:extLst>
   </p:cSld>
@@ -16368,7 +16216,7 @@
           <a:p>
             <a:r>
               <a:rPr lang="ko-KR" altLang="en-US" smtClean="0"/>
-              <a:t>모듈 사용법</a:t>
+              <a:t>클래스 기본</a:t>
             </a:r>
             <a:endParaRPr lang="ko-KR" altLang="en-US"/>
           </a:p>
@@ -16382,8 +16230,8 @@
         </p:nvSpPr>
         <p:spPr>
           <a:xfrm>
-            <a:off x="755576" y="1975480"/>
-            <a:ext cx="7723532" cy="2246769"/>
+            <a:off x="755576" y="1712997"/>
+            <a:ext cx="7723532" cy="3231654"/>
           </a:xfrm>
           <a:prstGeom prst="rect">
             <a:avLst/>
@@ -16406,96 +16254,332 @@
           <a:lstStyle/>
           <a:p>
             <a:r>
-              <a:rPr lang="en-US" altLang="ko-KR" sz="1400" smtClean="0">
-                <a:latin typeface="Consolas" pitchFamily="49" charset="0"/>
-                <a:cs typeface="Consolas" pitchFamily="49" charset="0"/>
-              </a:rPr>
-              <a:t>import </a:t>
-            </a:r>
-            <a:r>
-              <a:rPr lang="en-US" altLang="ko-KR" sz="1400">
-                <a:latin typeface="Consolas" pitchFamily="49" charset="0"/>
-                <a:cs typeface="Consolas" pitchFamily="49" charset="0"/>
-              </a:rPr>
-              <a:t>sys</a:t>
-            </a:r>
-          </a:p>
-          <a:p>
-            <a:r>
-              <a:rPr lang="en-US" altLang="ko-KR" sz="1400">
-                <a:latin typeface="Consolas" pitchFamily="49" charset="0"/>
-                <a:cs typeface="Consolas" pitchFamily="49" charset="0"/>
-              </a:rPr>
-              <a:t>import os as window</a:t>
-            </a:r>
-          </a:p>
-          <a:p>
-            <a:r>
-              <a:rPr lang="en-US" altLang="ko-KR" sz="1400">
-                <a:latin typeface="Consolas" pitchFamily="49" charset="0"/>
-                <a:cs typeface="Consolas" pitchFamily="49" charset="0"/>
-              </a:rPr>
-              <a:t>from math import sqrt, pi</a:t>
-            </a:r>
-          </a:p>
-          <a:p>
-            <a:r>
-              <a:rPr lang="en-US" altLang="ko-KR" sz="1400">
-                <a:latin typeface="Consolas" pitchFamily="49" charset="0"/>
-                <a:cs typeface="Consolas" pitchFamily="49" charset="0"/>
-              </a:rPr>
-              <a:t>from random import *</a:t>
-            </a:r>
-          </a:p>
-          <a:p>
-            <a:endParaRPr lang="en-US" altLang="ko-KR" sz="1400">
-              <a:latin typeface="Consolas" pitchFamily="49" charset="0"/>
-              <a:cs typeface="Consolas" pitchFamily="49" charset="0"/>
-            </a:endParaRPr>
-          </a:p>
-          <a:p>
-            <a:r>
-              <a:rPr lang="en-US" altLang="ko-KR" sz="1400">
-                <a:latin typeface="Consolas" pitchFamily="49" charset="0"/>
-                <a:cs typeface="Consolas" pitchFamily="49" charset="0"/>
-              </a:rPr>
-              <a:t>print(sys.argv)</a:t>
-            </a:r>
-          </a:p>
-          <a:p>
-            <a:r>
-              <a:rPr lang="en-US" altLang="ko-KR" sz="1400">
-                <a:latin typeface="Consolas" pitchFamily="49" charset="0"/>
-                <a:cs typeface="Consolas" pitchFamily="49" charset="0"/>
-              </a:rPr>
-              <a:t>print(window.getcwd())</a:t>
-            </a:r>
-          </a:p>
-          <a:p>
-            <a:r>
-              <a:rPr lang="en-US" altLang="ko-KR" sz="1400">
-                <a:latin typeface="Consolas" pitchFamily="49" charset="0"/>
-                <a:cs typeface="Consolas" pitchFamily="49" charset="0"/>
-              </a:rPr>
-              <a:t>print(sqrt(2*pi))</a:t>
-            </a:r>
-          </a:p>
-          <a:p>
-            <a:r>
-              <a:rPr lang="en-US" altLang="ko-KR" sz="1400">
-                <a:latin typeface="Consolas" pitchFamily="49" charset="0"/>
-                <a:cs typeface="Consolas" pitchFamily="49" charset="0"/>
-              </a:rPr>
-              <a:t>l=list(range(10)); shuffle(l)</a:t>
-            </a:r>
-          </a:p>
-          <a:p>
-            <a:r>
-              <a:rPr lang="en-US" altLang="ko-KR" sz="1400">
-                <a:latin typeface="Consolas" pitchFamily="49" charset="0"/>
-                <a:cs typeface="Consolas" pitchFamily="49" charset="0"/>
-              </a:rPr>
-              <a:t>print(l)</a:t>
+              <a:rPr lang="en-US" altLang="ko-KR" sz="1200" smtClean="0">
+                <a:latin typeface="Consolas" pitchFamily="49" charset="0"/>
+                <a:cs typeface="Consolas" pitchFamily="49" charset="0"/>
+              </a:rPr>
+              <a:t>class </a:t>
+            </a:r>
+            <a:r>
+              <a:rPr lang="en-US" altLang="ko-KR" sz="1200">
+                <a:latin typeface="Consolas" pitchFamily="49" charset="0"/>
+                <a:cs typeface="Consolas" pitchFamily="49" charset="0"/>
+              </a:rPr>
+              <a:t>MyClass:</a:t>
+            </a:r>
+          </a:p>
+          <a:p>
+            <a:r>
+              <a:rPr lang="en-US" altLang="ko-KR" sz="1200">
+                <a:latin typeface="Consolas" pitchFamily="49" charset="0"/>
+                <a:cs typeface="Consolas" pitchFamily="49" charset="0"/>
+              </a:rPr>
+              <a:t>	def __init__(</a:t>
+            </a:r>
+            <a:r>
+              <a:rPr lang="en-US" altLang="ko-KR" sz="1200" b="1">
+                <a:solidFill>
+                  <a:srgbClr val="FF0000"/>
+                </a:solidFill>
+                <a:latin typeface="Consolas" pitchFamily="49" charset="0"/>
+                <a:cs typeface="Consolas" pitchFamily="49" charset="0"/>
+              </a:rPr>
+              <a:t>self</a:t>
+            </a:r>
+            <a:r>
+              <a:rPr lang="en-US" altLang="ko-KR" sz="1200">
+                <a:latin typeface="Consolas" pitchFamily="49" charset="0"/>
+                <a:cs typeface="Consolas" pitchFamily="49" charset="0"/>
+              </a:rPr>
+              <a:t>, name, count):</a:t>
+            </a:r>
+          </a:p>
+          <a:p>
+            <a:r>
+              <a:rPr lang="en-US" altLang="ko-KR" sz="1200">
+                <a:latin typeface="Consolas" pitchFamily="49" charset="0"/>
+                <a:cs typeface="Consolas" pitchFamily="49" charset="0"/>
+              </a:rPr>
+              <a:t>		</a:t>
+            </a:r>
+            <a:r>
+              <a:rPr lang="en-US" altLang="ko-KR" sz="1200" b="1">
+                <a:solidFill>
+                  <a:srgbClr val="FF0000"/>
+                </a:solidFill>
+                <a:latin typeface="Consolas" pitchFamily="49" charset="0"/>
+                <a:cs typeface="Consolas" pitchFamily="49" charset="0"/>
+              </a:rPr>
+              <a:t>self</a:t>
+            </a:r>
+            <a:r>
+              <a:rPr lang="en-US" altLang="ko-KR" sz="1200">
+                <a:latin typeface="Consolas" pitchFamily="49" charset="0"/>
+                <a:cs typeface="Consolas" pitchFamily="49" charset="0"/>
+              </a:rPr>
+              <a:t>.name = name</a:t>
+            </a:r>
+          </a:p>
+          <a:p>
+            <a:r>
+              <a:rPr lang="en-US" altLang="ko-KR" sz="1200">
+                <a:latin typeface="Consolas" pitchFamily="49" charset="0"/>
+                <a:cs typeface="Consolas" pitchFamily="49" charset="0"/>
+              </a:rPr>
+              <a:t>		</a:t>
+            </a:r>
+            <a:r>
+              <a:rPr lang="en-US" altLang="ko-KR" sz="1200" b="1">
+                <a:solidFill>
+                  <a:srgbClr val="FF0000"/>
+                </a:solidFill>
+                <a:latin typeface="Consolas" pitchFamily="49" charset="0"/>
+                <a:cs typeface="Consolas" pitchFamily="49" charset="0"/>
+              </a:rPr>
+              <a:t>self</a:t>
+            </a:r>
+            <a:r>
+              <a:rPr lang="en-US" altLang="ko-KR" sz="1200">
+                <a:latin typeface="Consolas" pitchFamily="49" charset="0"/>
+                <a:cs typeface="Consolas" pitchFamily="49" charset="0"/>
+              </a:rPr>
+              <a:t>.count = count</a:t>
+            </a:r>
+          </a:p>
+          <a:p>
+            <a:r>
+              <a:rPr lang="en-US" altLang="ko-KR" sz="1200">
+                <a:latin typeface="Consolas" pitchFamily="49" charset="0"/>
+                <a:cs typeface="Consolas" pitchFamily="49" charset="0"/>
+              </a:rPr>
+              <a:t>		</a:t>
+            </a:r>
+          </a:p>
+          <a:p>
+            <a:r>
+              <a:rPr lang="en-US" altLang="ko-KR" sz="1200">
+                <a:latin typeface="Consolas" pitchFamily="49" charset="0"/>
+                <a:cs typeface="Consolas" pitchFamily="49" charset="0"/>
+              </a:rPr>
+              <a:t>	def info(</a:t>
+            </a:r>
+            <a:r>
+              <a:rPr lang="en-US" altLang="ko-KR" sz="1200" b="1">
+                <a:solidFill>
+                  <a:srgbClr val="FF0000"/>
+                </a:solidFill>
+                <a:latin typeface="Consolas" pitchFamily="49" charset="0"/>
+                <a:cs typeface="Consolas" pitchFamily="49" charset="0"/>
+              </a:rPr>
+              <a:t>self</a:t>
+            </a:r>
+            <a:r>
+              <a:rPr lang="en-US" altLang="ko-KR" sz="1200">
+                <a:latin typeface="Consolas" pitchFamily="49" charset="0"/>
+                <a:cs typeface="Consolas" pitchFamily="49" charset="0"/>
+              </a:rPr>
+              <a:t>):</a:t>
+            </a:r>
+          </a:p>
+          <a:p>
+            <a:r>
+              <a:rPr lang="en-US" altLang="ko-KR" sz="1200">
+                <a:latin typeface="Consolas" pitchFamily="49" charset="0"/>
+                <a:cs typeface="Consolas" pitchFamily="49" charset="0"/>
+              </a:rPr>
+              <a:t>		return ('MyClass: name=%s, count=%d' % (</a:t>
+            </a:r>
+            <a:r>
+              <a:rPr lang="en-US" altLang="ko-KR" sz="1200" b="1">
+                <a:solidFill>
+                  <a:srgbClr val="FF0000"/>
+                </a:solidFill>
+                <a:latin typeface="Consolas" pitchFamily="49" charset="0"/>
+                <a:cs typeface="Consolas" pitchFamily="49" charset="0"/>
+              </a:rPr>
+              <a:t>self</a:t>
+            </a:r>
+            <a:r>
+              <a:rPr lang="en-US" altLang="ko-KR" sz="1200">
+                <a:latin typeface="Consolas" pitchFamily="49" charset="0"/>
+                <a:cs typeface="Consolas" pitchFamily="49" charset="0"/>
+              </a:rPr>
+              <a:t>.name,</a:t>
+            </a:r>
+            <a:r>
+              <a:rPr lang="en-US" altLang="ko-KR" sz="1200" b="1">
+                <a:solidFill>
+                  <a:srgbClr val="FF0000"/>
+                </a:solidFill>
+                <a:latin typeface="Consolas" pitchFamily="49" charset="0"/>
+                <a:cs typeface="Consolas" pitchFamily="49" charset="0"/>
+              </a:rPr>
+              <a:t>self</a:t>
+            </a:r>
+            <a:r>
+              <a:rPr lang="en-US" altLang="ko-KR" sz="1200">
+                <a:latin typeface="Consolas" pitchFamily="49" charset="0"/>
+                <a:cs typeface="Consolas" pitchFamily="49" charset="0"/>
+              </a:rPr>
+              <a:t>.count))</a:t>
+            </a:r>
+          </a:p>
+          <a:p>
+            <a:r>
+              <a:rPr lang="en-US" altLang="ko-KR" sz="1200">
+                <a:latin typeface="Consolas" pitchFamily="49" charset="0"/>
+                <a:cs typeface="Consolas" pitchFamily="49" charset="0"/>
+              </a:rPr>
+              <a:t>		</a:t>
+            </a:r>
+          </a:p>
+          <a:p>
+            <a:r>
+              <a:rPr lang="en-US" altLang="ko-KR" sz="1200">
+                <a:latin typeface="Consolas" pitchFamily="49" charset="0"/>
+                <a:cs typeface="Consolas" pitchFamily="49" charset="0"/>
+              </a:rPr>
+              <a:t>	def __str__(</a:t>
+            </a:r>
+            <a:r>
+              <a:rPr lang="en-US" altLang="ko-KR" sz="1200" b="1">
+                <a:solidFill>
+                  <a:srgbClr val="FF0000"/>
+                </a:solidFill>
+                <a:latin typeface="Consolas" pitchFamily="49" charset="0"/>
+                <a:cs typeface="Consolas" pitchFamily="49" charset="0"/>
+              </a:rPr>
+              <a:t>self</a:t>
+            </a:r>
+            <a:r>
+              <a:rPr lang="en-US" altLang="ko-KR" sz="1200">
+                <a:latin typeface="Consolas" pitchFamily="49" charset="0"/>
+                <a:cs typeface="Consolas" pitchFamily="49" charset="0"/>
+              </a:rPr>
+              <a:t>):</a:t>
+            </a:r>
+          </a:p>
+          <a:p>
+            <a:r>
+              <a:rPr lang="en-US" altLang="ko-KR" sz="1200">
+                <a:latin typeface="Consolas" pitchFamily="49" charset="0"/>
+                <a:cs typeface="Consolas" pitchFamily="49" charset="0"/>
+              </a:rPr>
+              <a:t>		return </a:t>
+            </a:r>
+            <a:r>
+              <a:rPr lang="en-US" altLang="ko-KR" sz="1200" b="1">
+                <a:solidFill>
+                  <a:srgbClr val="FF0000"/>
+                </a:solidFill>
+                <a:latin typeface="Consolas" pitchFamily="49" charset="0"/>
+                <a:cs typeface="Consolas" pitchFamily="49" charset="0"/>
+              </a:rPr>
+              <a:t>self</a:t>
+            </a:r>
+            <a:r>
+              <a:rPr lang="en-US" altLang="ko-KR" sz="1200">
+                <a:latin typeface="Consolas" pitchFamily="49" charset="0"/>
+                <a:cs typeface="Consolas" pitchFamily="49" charset="0"/>
+              </a:rPr>
+              <a:t>.info()</a:t>
+            </a:r>
+          </a:p>
+          <a:p>
+            <a:r>
+              <a:rPr lang="en-US" altLang="ko-KR" sz="1200">
+                <a:latin typeface="Consolas" pitchFamily="49" charset="0"/>
+                <a:cs typeface="Consolas" pitchFamily="49" charset="0"/>
+              </a:rPr>
+              <a:t>		</a:t>
+            </a:r>
+          </a:p>
+          <a:p>
+            <a:r>
+              <a:rPr lang="en-US" altLang="ko-KR" sz="1200">
+                <a:latin typeface="Consolas" pitchFamily="49" charset="0"/>
+                <a:cs typeface="Consolas" pitchFamily="49" charset="0"/>
+              </a:rPr>
+              <a:t>	def __repr__(</a:t>
+            </a:r>
+            <a:r>
+              <a:rPr lang="en-US" altLang="ko-KR" sz="1200" b="1">
+                <a:solidFill>
+                  <a:srgbClr val="FF0000"/>
+                </a:solidFill>
+                <a:latin typeface="Consolas" pitchFamily="49" charset="0"/>
+                <a:cs typeface="Consolas" pitchFamily="49" charset="0"/>
+              </a:rPr>
+              <a:t>self</a:t>
+            </a:r>
+            <a:r>
+              <a:rPr lang="en-US" altLang="ko-KR" sz="1200">
+                <a:latin typeface="Consolas" pitchFamily="49" charset="0"/>
+                <a:cs typeface="Consolas" pitchFamily="49" charset="0"/>
+              </a:rPr>
+              <a:t>):</a:t>
+            </a:r>
+          </a:p>
+          <a:p>
+            <a:r>
+              <a:rPr lang="en-US" altLang="ko-KR" sz="1200">
+                <a:latin typeface="Consolas" pitchFamily="49" charset="0"/>
+                <a:cs typeface="Consolas" pitchFamily="49" charset="0"/>
+              </a:rPr>
+              <a:t>		return 'MyClass: ' + </a:t>
+            </a:r>
+            <a:r>
+              <a:rPr lang="en-US" altLang="ko-KR" sz="1200" b="1">
+                <a:solidFill>
+                  <a:srgbClr val="FF0000"/>
+                </a:solidFill>
+                <a:latin typeface="Consolas" pitchFamily="49" charset="0"/>
+                <a:cs typeface="Consolas" pitchFamily="49" charset="0"/>
+              </a:rPr>
+              <a:t>self</a:t>
+            </a:r>
+            <a:r>
+              <a:rPr lang="en-US" altLang="ko-KR" sz="1200">
+                <a:latin typeface="Consolas" pitchFamily="49" charset="0"/>
+                <a:cs typeface="Consolas" pitchFamily="49" charset="0"/>
+              </a:rPr>
+              <a:t>.info()</a:t>
+            </a:r>
+          </a:p>
+          <a:p>
+            <a:r>
+              <a:rPr lang="en-US" altLang="ko-KR" sz="1200">
+                <a:latin typeface="Consolas" pitchFamily="49" charset="0"/>
+                <a:cs typeface="Consolas" pitchFamily="49" charset="0"/>
+              </a:rPr>
+              <a:t>		</a:t>
+            </a:r>
+          </a:p>
+          <a:p>
+            <a:r>
+              <a:rPr lang="en-US" altLang="ko-KR" sz="1200">
+                <a:latin typeface="Consolas" pitchFamily="49" charset="0"/>
+                <a:cs typeface="Consolas" pitchFamily="49" charset="0"/>
+              </a:rPr>
+              <a:t>c=MyClass('apple',3)</a:t>
+            </a:r>
+          </a:p>
+          <a:p>
+            <a:r>
+              <a:rPr lang="en-US" altLang="ko-KR" sz="1200">
+                <a:latin typeface="Consolas" pitchFamily="49" charset="0"/>
+                <a:cs typeface="Consolas" pitchFamily="49" charset="0"/>
+              </a:rPr>
+              <a:t>print(c.info())</a:t>
+            </a:r>
+          </a:p>
+          <a:p>
+            <a:r>
+              <a:rPr lang="en-US" altLang="ko-KR" sz="1200">
+                <a:latin typeface="Consolas" pitchFamily="49" charset="0"/>
+                <a:cs typeface="Consolas" pitchFamily="49" charset="0"/>
+              </a:rPr>
+              <a:t>print(c)</a:t>
             </a:r>
           </a:p>
         </p:txBody>
@@ -16508,13 +16592,13 @@
         </p:nvSpPr>
         <p:spPr bwMode="auto">
           <a:xfrm>
-            <a:off x="3779912" y="2060848"/>
-            <a:ext cx="2376264" cy="173048"/>
+            <a:off x="5220072" y="1628800"/>
+            <a:ext cx="2880320" cy="428278"/>
           </a:xfrm>
           <a:prstGeom prst="wedgeEllipseCallout">
             <a:avLst>
-              <a:gd name="adj1" fmla="val -90719"/>
-              <a:gd name="adj2" fmla="val 107696"/>
+              <a:gd name="adj1" fmla="val -74340"/>
+              <a:gd name="adj2" fmla="val 32676"/>
             </a:avLst>
           </a:prstGeom>
           <a:solidFill>
@@ -16532,7 +16616,7 @@
           <a:effectLst/>
         </p:spPr>
         <p:txBody>
-          <a:bodyPr vert="horz" wrap="square" lIns="92075" tIns="46038" rIns="92075" bIns="46038" numCol="1" rtlCol="0" anchor="ctr" anchorCtr="0" compatLnSpc="1">
+          <a:bodyPr vert="horz" wrap="none" lIns="92075" tIns="46038" rIns="92075" bIns="46038" numCol="1" rtlCol="0" anchor="ctr" anchorCtr="0" compatLnSpc="1">
             <a:prstTxWarp prst="textNoShape">
               <a:avLst/>
             </a:prstTxWarp>
@@ -16560,19 +16644,15 @@
                 <a:latin typeface="맑은 고딕" pitchFamily="50" charset="-127"/>
                 <a:ea typeface="맑은 고딕" pitchFamily="50" charset="-127"/>
               </a:rPr>
-              <a:t>모듈 참조이름 변경</a:t>
-            </a:r>
-            <a:endParaRPr kumimoji="0" lang="ko-KR" altLang="en-US" sz="1200" b="0" i="0" u="none" strike="noStrike" cap="none" normalizeH="0" baseline="0" smtClean="0">
-              <a:ln>
-                <a:noFill/>
-              </a:ln>
-              <a:solidFill>
-                <a:schemeClr val="tx1"/>
-              </a:solidFill>
-              <a:effectLst/>
-              <a:latin typeface="맑은 고딕" pitchFamily="50" charset="-127"/>
-              <a:ea typeface="맑은 고딕" pitchFamily="50" charset="-127"/>
-            </a:endParaRPr>
+              <a:t>초기화 함수 </a:t>
+            </a:r>
+            <a:r>
+              <a:rPr lang="en-US" altLang="ko-KR" sz="1200" smtClean="0">
+                <a:latin typeface="맑은 고딕" pitchFamily="50" charset="-127"/>
+                <a:ea typeface="맑은 고딕" pitchFamily="50" charset="-127"/>
+              </a:rPr>
+              <a:t>__init__</a:t>
+            </a:r>
           </a:p>
         </p:txBody>
       </p:sp>
@@ -16584,13 +16664,13 @@
         </p:nvSpPr>
         <p:spPr bwMode="auto">
           <a:xfrm>
-            <a:off x="4355976" y="2348880"/>
-            <a:ext cx="2592288" cy="288032"/>
+            <a:off x="5186401" y="2204864"/>
+            <a:ext cx="2880320" cy="428278"/>
           </a:xfrm>
           <a:prstGeom prst="wedgeEllipseCallout">
             <a:avLst>
-              <a:gd name="adj1" fmla="val -88887"/>
-              <a:gd name="adj2" fmla="val 25238"/>
+              <a:gd name="adj1" fmla="val -119692"/>
+              <a:gd name="adj2" fmla="val 77041"/>
             </a:avLst>
           </a:prstGeom>
           <a:solidFill>
@@ -16632,27 +16712,13 @@
               <a:tabLst/>
             </a:pPr>
             <a:r>
-              <a:rPr lang="en-US" altLang="ko-KR" sz="1200" smtClean="0">
-                <a:latin typeface="맑은 고딕" pitchFamily="50" charset="-127"/>
-                <a:ea typeface="맑은 고딕" pitchFamily="50" charset="-127"/>
-              </a:rPr>
-              <a:t>sqrt(), pi </a:t>
-            </a:r>
-            <a:r>
               <a:rPr lang="ko-KR" altLang="en-US" sz="1200" smtClean="0">
                 <a:latin typeface="맑은 고딕" pitchFamily="50" charset="-127"/>
                 <a:ea typeface="맑은 고딕" pitchFamily="50" charset="-127"/>
               </a:rPr>
-              <a:t>는 모듈명 없이 사용</a:t>
-            </a:r>
-            <a:endParaRPr kumimoji="0" lang="ko-KR" altLang="en-US" sz="1200" b="0" i="0" u="none" strike="noStrike" cap="none" normalizeH="0" baseline="0" smtClean="0">
-              <a:ln>
-                <a:noFill/>
-              </a:ln>
-              <a:solidFill>
-                <a:schemeClr val="tx1"/>
-              </a:solidFill>
-              <a:effectLst/>
+              <a:t>사용자정의 함수</a:t>
+            </a:r>
+            <a:endParaRPr lang="en-US" altLang="ko-KR" sz="1200" smtClean="0">
               <a:latin typeface="맑은 고딕" pitchFamily="50" charset="-127"/>
               <a:ea typeface="맑은 고딕" pitchFamily="50" charset="-127"/>
             </a:endParaRPr>
@@ -16667,13 +16733,13 @@
         </p:nvSpPr>
         <p:spPr bwMode="auto">
           <a:xfrm>
-            <a:off x="4345078" y="2763792"/>
-            <a:ext cx="3467282" cy="449183"/>
+            <a:off x="5220072" y="3153450"/>
+            <a:ext cx="2880320" cy="428278"/>
           </a:xfrm>
           <a:prstGeom prst="wedgeEllipseCallout">
             <a:avLst>
-              <a:gd name="adj1" fmla="val -91893"/>
-              <a:gd name="adj2" fmla="val -33962"/>
+              <a:gd name="adj1" fmla="val -74340"/>
+              <a:gd name="adj2" fmla="val 32676"/>
             </a:avLst>
           </a:prstGeom>
           <a:solidFill>
@@ -16719,34 +16785,60 @@
                 <a:latin typeface="맑은 고딕" pitchFamily="50" charset="-127"/>
                 <a:ea typeface="맑은 고딕" pitchFamily="50" charset="-127"/>
               </a:rPr>
-              <a:t>random </a:t>
+              <a:t>print() </a:t>
             </a:r>
             <a:r>
               <a:rPr lang="ko-KR" altLang="en-US" sz="1200" smtClean="0">
                 <a:latin typeface="맑은 고딕" pitchFamily="50" charset="-127"/>
                 <a:ea typeface="맑은 고딕" pitchFamily="50" charset="-127"/>
               </a:rPr>
-              <a:t>모듈에 있는 모든 변수</a:t>
-            </a:r>
-            <a:r>
-              <a:rPr lang="en-US" altLang="ko-KR" sz="1200" smtClean="0">
-                <a:latin typeface="맑은 고딕" pitchFamily="50" charset="-127"/>
-                <a:ea typeface="맑은 고딕" pitchFamily="50" charset="-127"/>
-              </a:rPr>
-              <a:t>, </a:t>
-            </a:r>
-            <a:r>
-              <a:rPr lang="ko-KR" altLang="en-US" sz="1200" smtClean="0">
-                <a:latin typeface="맑은 고딕" pitchFamily="50" charset="-127"/>
-                <a:ea typeface="맑은 고딕" pitchFamily="50" charset="-127"/>
-              </a:rPr>
-              <a:t>함수</a:t>
+              <a:t>문에서 출력 내용</a:t>
             </a:r>
             <a:endParaRPr lang="en-US" altLang="ko-KR" sz="1200" smtClean="0">
               <a:latin typeface="맑은 고딕" pitchFamily="50" charset="-127"/>
               <a:ea typeface="맑은 고딕" pitchFamily="50" charset="-127"/>
             </a:endParaRPr>
           </a:p>
+        </p:txBody>
+      </p:sp>
+      <p:sp>
+        <p:nvSpPr>
+          <p:cNvPr id="7" name="타원형 설명선 6"/>
+          <p:cNvSpPr/>
+          <p:nvPr/>
+        </p:nvSpPr>
+        <p:spPr bwMode="auto">
+          <a:xfrm>
+            <a:off x="5436096" y="3933056"/>
+            <a:ext cx="2880320" cy="428278"/>
+          </a:xfrm>
+          <a:prstGeom prst="wedgeEllipseCallout">
+            <a:avLst>
+              <a:gd name="adj1" fmla="val -44655"/>
+              <a:gd name="adj2" fmla="val -42190"/>
+            </a:avLst>
+          </a:prstGeom>
+          <a:solidFill>
+            <a:srgbClr val="FFFF00"/>
+          </a:solidFill>
+          <a:ln w="9525" cap="flat" cmpd="sng" algn="ctr">
+            <a:solidFill>
+              <a:srgbClr val="808080"/>
+            </a:solidFill>
+            <a:prstDash val="solid"/>
+            <a:round/>
+            <a:headEnd type="none" w="med" len="med"/>
+            <a:tailEnd type="none" w="med" len="med"/>
+          </a:ln>
+          <a:effectLst/>
+        </p:spPr>
+        <p:txBody>
+          <a:bodyPr vert="horz" wrap="none" lIns="92075" tIns="46038" rIns="92075" bIns="46038" numCol="1" rtlCol="0" anchor="ctr" anchorCtr="0" compatLnSpc="1">
+            <a:prstTxWarp prst="textNoShape">
+              <a:avLst/>
+            </a:prstTxWarp>
+          </a:bodyPr>
+          <a:lstStyle/>
           <a:p>
             <a:pPr marL="0" marR="0" indent="0" algn="ctr" defTabSz="914400" rtl="0" eaLnBrk="1" fontAlgn="base" latinLnBrk="0" hangingPunct="1">
               <a:lnSpc>
@@ -16765,32 +16857,29 @@
               <a:tabLst/>
             </a:pPr>
             <a:r>
-              <a:rPr kumimoji="0" lang="ko-KR" altLang="en-US" sz="1200" b="0" i="0" u="none" strike="noStrike" cap="none" normalizeH="0" baseline="0" smtClean="0">
-                <a:ln>
-                  <a:noFill/>
-                </a:ln>
-                <a:solidFill>
-                  <a:schemeClr val="tx1"/>
-                </a:solidFill>
-                <a:effectLst/>
+              <a:rPr lang="ko-KR" altLang="en-US" sz="1200" smtClean="0">
                 <a:latin typeface="맑은 고딕" pitchFamily="50" charset="-127"/>
                 <a:ea typeface="맑은 고딕" pitchFamily="50" charset="-127"/>
               </a:rPr>
-              <a:t>모듈명 없이 사용</a:t>
-            </a:r>
-          </a:p>
-        </p:txBody>
-      </p:sp>
-      <p:sp>
-        <p:nvSpPr>
-          <p:cNvPr id="7" name="TextBox 6"/>
+              <a:t>인터프리터에서 정보 출력</a:t>
+            </a:r>
+            <a:endParaRPr lang="en-US" altLang="ko-KR" sz="1200" smtClean="0">
+              <a:latin typeface="맑은 고딕" pitchFamily="50" charset="-127"/>
+              <a:ea typeface="맑은 고딕" pitchFamily="50" charset="-127"/>
+            </a:endParaRPr>
+          </a:p>
+        </p:txBody>
+      </p:sp>
+      <p:sp>
+        <p:nvSpPr>
+          <p:cNvPr id="9" name="TextBox 8"/>
           <p:cNvSpPr txBox="1"/>
           <p:nvPr/>
         </p:nvSpPr>
         <p:spPr>
           <a:xfrm>
-            <a:off x="755576" y="1412776"/>
-            <a:ext cx="3211135" cy="461665"/>
+            <a:off x="1475656" y="5589240"/>
+            <a:ext cx="4193777" cy="369332"/>
           </a:xfrm>
           <a:prstGeom prst="rect">
             <a:avLst/>
@@ -16803,199 +16892,26 @@
           </a:bodyPr>
           <a:lstStyle/>
           <a:p>
-            <a:pPr marL="342900" indent="-342900">
-              <a:buFont typeface="Arial" panose="020B0604020202020204" pitchFamily="34" charset="0"/>
-              <a:buChar char="•"/>
-            </a:pPr>
-            <a:r>
-              <a:rPr lang="ko-KR" altLang="en-US" sz="2400" b="1" smtClean="0"/>
-              <a:t>기본 모듈 불러오기</a:t>
-            </a:r>
-            <a:endParaRPr lang="ko-KR" altLang="en-US" sz="2400" b="1"/>
-          </a:p>
-        </p:txBody>
-      </p:sp>
-      <p:sp>
-        <p:nvSpPr>
-          <p:cNvPr id="8" name="TextBox 7"/>
-          <p:cNvSpPr txBox="1"/>
-          <p:nvPr/>
-        </p:nvSpPr>
-        <p:spPr>
-          <a:xfrm>
-            <a:off x="755576" y="4869160"/>
-            <a:ext cx="7723532" cy="738664"/>
-          </a:xfrm>
-          <a:prstGeom prst="rect">
-            <a:avLst/>
-          </a:prstGeom>
-          <a:solidFill>
-            <a:schemeClr val="bg1">
-              <a:lumMod val="95000"/>
-            </a:schemeClr>
-          </a:solidFill>
-          <a:ln>
-            <a:solidFill>
-              <a:schemeClr val="tx1"/>
-            </a:solidFill>
-          </a:ln>
-        </p:spPr>
-        <p:txBody>
-          <a:bodyPr wrap="square" rtlCol="0">
-            <a:spAutoFit/>
-          </a:bodyPr>
-          <a:lstStyle/>
-          <a:p>
-            <a:r>
-              <a:rPr lang="en-US" altLang="ko-KR" sz="1400" smtClean="0">
-                <a:latin typeface="Consolas" pitchFamily="49" charset="0"/>
-                <a:cs typeface="Consolas" pitchFamily="49" charset="0"/>
-              </a:rPr>
-              <a:t># </a:t>
-            </a:r>
-            <a:r>
-              <a:rPr lang="en-US" altLang="ko-KR" sz="1400" smtClean="0">
-                <a:latin typeface="Consolas" pitchFamily="49" charset="0"/>
-                <a:cs typeface="Consolas" pitchFamily="49" charset="0"/>
-              </a:rPr>
-              <a:t>mymodule.py</a:t>
-            </a:r>
-          </a:p>
-          <a:p>
-            <a:r>
-              <a:rPr lang="en-US" altLang="ko-KR" sz="1400" smtClean="0">
-                <a:latin typeface="Consolas" pitchFamily="49" charset="0"/>
-                <a:cs typeface="Consolas" pitchFamily="49" charset="0"/>
-              </a:rPr>
-              <a:t>def myf(a,b):</a:t>
-            </a:r>
-          </a:p>
-          <a:p>
-            <a:r>
-              <a:rPr lang="en-US" altLang="ko-KR" sz="1400" smtClean="0">
-                <a:latin typeface="Consolas" pitchFamily="49" charset="0"/>
-                <a:cs typeface="Consolas" pitchFamily="49" charset="0"/>
-              </a:rPr>
-              <a:t>  a+b</a:t>
-            </a:r>
-            <a:endParaRPr lang="en-US" altLang="ko-KR" sz="1400">
-              <a:latin typeface="Consolas" pitchFamily="49" charset="0"/>
-              <a:cs typeface="Consolas" pitchFamily="49" charset="0"/>
-            </a:endParaRPr>
-          </a:p>
-        </p:txBody>
-      </p:sp>
-      <p:sp>
-        <p:nvSpPr>
-          <p:cNvPr id="9" name="TextBox 8"/>
-          <p:cNvSpPr txBox="1"/>
-          <p:nvPr/>
-        </p:nvSpPr>
-        <p:spPr>
-          <a:xfrm>
-            <a:off x="755576" y="4306456"/>
-            <a:ext cx="2178802" cy="461665"/>
-          </a:xfrm>
-          <a:prstGeom prst="rect">
-            <a:avLst/>
-          </a:prstGeom>
-          <a:noFill/>
-        </p:spPr>
-        <p:txBody>
-          <a:bodyPr wrap="none" rtlCol="0">
-            <a:spAutoFit/>
-          </a:bodyPr>
-          <a:lstStyle/>
-          <a:p>
-            <a:pPr marL="342900" indent="-342900">
-              <a:buFont typeface="Arial" panose="020B0604020202020204" pitchFamily="34" charset="0"/>
-              <a:buChar char="•"/>
-            </a:pPr>
-            <a:r>
-              <a:rPr lang="ko-KR" altLang="en-US" sz="2400" b="1" smtClean="0"/>
-              <a:t>사용자 모듈</a:t>
-            </a:r>
-            <a:endParaRPr lang="ko-KR" altLang="en-US" sz="2400" b="1"/>
-          </a:p>
-        </p:txBody>
-      </p:sp>
-      <p:sp>
-        <p:nvSpPr>
-          <p:cNvPr id="10" name="TextBox 9"/>
-          <p:cNvSpPr txBox="1"/>
-          <p:nvPr/>
-        </p:nvSpPr>
-        <p:spPr>
-          <a:xfrm>
-            <a:off x="755576" y="5787841"/>
-            <a:ext cx="7723532" cy="738664"/>
-          </a:xfrm>
-          <a:prstGeom prst="rect">
-            <a:avLst/>
-          </a:prstGeom>
-          <a:solidFill>
-            <a:schemeClr val="tx1"/>
-          </a:solidFill>
-          <a:ln>
-            <a:solidFill>
-              <a:schemeClr val="tx1"/>
-            </a:solidFill>
-          </a:ln>
-        </p:spPr>
-        <p:txBody>
-          <a:bodyPr wrap="square" rtlCol="0">
-            <a:spAutoFit/>
-          </a:bodyPr>
-          <a:lstStyle/>
-          <a:p>
-            <a:r>
-              <a:rPr lang="en-US" altLang="ko-KR" sz="1400" smtClean="0">
-                <a:solidFill>
-                  <a:schemeClr val="bg1"/>
-                </a:solidFill>
-                <a:latin typeface="Consolas" pitchFamily="49" charset="0"/>
-                <a:cs typeface="Consolas" pitchFamily="49" charset="0"/>
-              </a:rPr>
-              <a:t>&gt;&gt;&gt; import mymodule</a:t>
-            </a:r>
-          </a:p>
-          <a:p>
-            <a:r>
-              <a:rPr lang="en-US" altLang="ko-KR" sz="1400" smtClean="0">
-                <a:solidFill>
-                  <a:schemeClr val="bg1"/>
-                </a:solidFill>
-                <a:latin typeface="Consolas" pitchFamily="49" charset="0"/>
-                <a:cs typeface="Consolas" pitchFamily="49" charset="0"/>
-              </a:rPr>
-              <a:t>&gt;&gt;&gt; mymodule.myf(1,2)</a:t>
-            </a:r>
-          </a:p>
-          <a:p>
-            <a:r>
-              <a:rPr lang="en-US" altLang="ko-KR" sz="1400">
-                <a:solidFill>
-                  <a:schemeClr val="bg1"/>
-                </a:solidFill>
-                <a:latin typeface="Consolas" pitchFamily="49" charset="0"/>
-                <a:cs typeface="Consolas" pitchFamily="49" charset="0"/>
-              </a:rPr>
-              <a:t>3</a:t>
-            </a:r>
-            <a:endParaRPr lang="en-US" altLang="ko-KR" sz="1400">
-              <a:solidFill>
-                <a:schemeClr val="bg1"/>
-              </a:solidFill>
-              <a:latin typeface="Consolas" pitchFamily="49" charset="0"/>
-              <a:cs typeface="Consolas" pitchFamily="49" charset="0"/>
-            </a:endParaRPr>
+            <a:r>
+              <a:rPr lang="en-US" altLang="ko-KR" smtClean="0"/>
+              <a:t>* self </a:t>
+            </a:r>
+            <a:r>
+              <a:rPr lang="ko-KR" altLang="en-US" smtClean="0"/>
+              <a:t>를 잊어버리지 말고 꼭 적어주자</a:t>
+            </a:r>
+            <a:r>
+              <a:rPr lang="en-US" altLang="ko-KR" smtClean="0"/>
+              <a:t>!</a:t>
+            </a:r>
+            <a:endParaRPr lang="ko-KR" altLang="en-US"/>
           </a:p>
         </p:txBody>
       </p:sp>
     </p:spTree>
     <p:extLst>
       <p:ext uri="{BB962C8B-B14F-4D97-AF65-F5344CB8AC3E}">
-        <p14:creationId xmlns:p14="http://schemas.microsoft.com/office/powerpoint/2010/main" val="772193582"/>
+        <p14:creationId xmlns:p14="http://schemas.microsoft.com/office/powerpoint/2010/main" val="1491957632"/>
       </p:ext>
     </p:extLst>
   </p:cSld>
@@ -17039,6 +16955,663 @@
           <a:p>
             <a:r>
               <a:rPr lang="ko-KR" altLang="en-US" smtClean="0"/>
+              <a:t>모듈 사용법</a:t>
+            </a:r>
+            <a:endParaRPr lang="ko-KR" altLang="en-US"/>
+          </a:p>
+        </p:txBody>
+      </p:sp>
+      <p:sp>
+        <p:nvSpPr>
+          <p:cNvPr id="3" name="TextBox 2"/>
+          <p:cNvSpPr txBox="1"/>
+          <p:nvPr/>
+        </p:nvSpPr>
+        <p:spPr>
+          <a:xfrm>
+            <a:off x="755576" y="1975480"/>
+            <a:ext cx="7723532" cy="2246769"/>
+          </a:xfrm>
+          <a:prstGeom prst="rect">
+            <a:avLst/>
+          </a:prstGeom>
+          <a:solidFill>
+            <a:schemeClr val="bg1">
+              <a:lumMod val="95000"/>
+            </a:schemeClr>
+          </a:solidFill>
+          <a:ln>
+            <a:solidFill>
+              <a:schemeClr val="tx1"/>
+            </a:solidFill>
+          </a:ln>
+        </p:spPr>
+        <p:txBody>
+          <a:bodyPr wrap="square" rtlCol="0">
+            <a:spAutoFit/>
+          </a:bodyPr>
+          <a:lstStyle/>
+          <a:p>
+            <a:r>
+              <a:rPr lang="en-US" altLang="ko-KR" sz="1400" smtClean="0">
+                <a:latin typeface="Consolas" pitchFamily="49" charset="0"/>
+                <a:cs typeface="Consolas" pitchFamily="49" charset="0"/>
+              </a:rPr>
+              <a:t>import </a:t>
+            </a:r>
+            <a:r>
+              <a:rPr lang="en-US" altLang="ko-KR" sz="1400">
+                <a:latin typeface="Consolas" pitchFamily="49" charset="0"/>
+                <a:cs typeface="Consolas" pitchFamily="49" charset="0"/>
+              </a:rPr>
+              <a:t>sys</a:t>
+            </a:r>
+          </a:p>
+          <a:p>
+            <a:r>
+              <a:rPr lang="en-US" altLang="ko-KR" sz="1400">
+                <a:latin typeface="Consolas" pitchFamily="49" charset="0"/>
+                <a:cs typeface="Consolas" pitchFamily="49" charset="0"/>
+              </a:rPr>
+              <a:t>import os as window</a:t>
+            </a:r>
+          </a:p>
+          <a:p>
+            <a:r>
+              <a:rPr lang="en-US" altLang="ko-KR" sz="1400">
+                <a:latin typeface="Consolas" pitchFamily="49" charset="0"/>
+                <a:cs typeface="Consolas" pitchFamily="49" charset="0"/>
+              </a:rPr>
+              <a:t>from math import sqrt, pi</a:t>
+            </a:r>
+          </a:p>
+          <a:p>
+            <a:r>
+              <a:rPr lang="en-US" altLang="ko-KR" sz="1400">
+                <a:latin typeface="Consolas" pitchFamily="49" charset="0"/>
+                <a:cs typeface="Consolas" pitchFamily="49" charset="0"/>
+              </a:rPr>
+              <a:t>from random import *</a:t>
+            </a:r>
+          </a:p>
+          <a:p>
+            <a:endParaRPr lang="en-US" altLang="ko-KR" sz="1400">
+              <a:latin typeface="Consolas" pitchFamily="49" charset="0"/>
+              <a:cs typeface="Consolas" pitchFamily="49" charset="0"/>
+            </a:endParaRPr>
+          </a:p>
+          <a:p>
+            <a:r>
+              <a:rPr lang="en-US" altLang="ko-KR" sz="1400">
+                <a:latin typeface="Consolas" pitchFamily="49" charset="0"/>
+                <a:cs typeface="Consolas" pitchFamily="49" charset="0"/>
+              </a:rPr>
+              <a:t>print(sys.argv)</a:t>
+            </a:r>
+          </a:p>
+          <a:p>
+            <a:r>
+              <a:rPr lang="en-US" altLang="ko-KR" sz="1400">
+                <a:latin typeface="Consolas" pitchFamily="49" charset="0"/>
+                <a:cs typeface="Consolas" pitchFamily="49" charset="0"/>
+              </a:rPr>
+              <a:t>print(window.getcwd())</a:t>
+            </a:r>
+          </a:p>
+          <a:p>
+            <a:r>
+              <a:rPr lang="en-US" altLang="ko-KR" sz="1400">
+                <a:latin typeface="Consolas" pitchFamily="49" charset="0"/>
+                <a:cs typeface="Consolas" pitchFamily="49" charset="0"/>
+              </a:rPr>
+              <a:t>print(sqrt(2*pi))</a:t>
+            </a:r>
+          </a:p>
+          <a:p>
+            <a:r>
+              <a:rPr lang="en-US" altLang="ko-KR" sz="1400">
+                <a:latin typeface="Consolas" pitchFamily="49" charset="0"/>
+                <a:cs typeface="Consolas" pitchFamily="49" charset="0"/>
+              </a:rPr>
+              <a:t>l=list(range(10)); shuffle(l)</a:t>
+            </a:r>
+          </a:p>
+          <a:p>
+            <a:r>
+              <a:rPr lang="en-US" altLang="ko-KR" sz="1400">
+                <a:latin typeface="Consolas" pitchFamily="49" charset="0"/>
+                <a:cs typeface="Consolas" pitchFamily="49" charset="0"/>
+              </a:rPr>
+              <a:t>print(l)</a:t>
+            </a:r>
+          </a:p>
+        </p:txBody>
+      </p:sp>
+      <p:sp>
+        <p:nvSpPr>
+          <p:cNvPr id="4" name="타원형 설명선 3"/>
+          <p:cNvSpPr/>
+          <p:nvPr/>
+        </p:nvSpPr>
+        <p:spPr bwMode="auto">
+          <a:xfrm>
+            <a:off x="3779912" y="2060848"/>
+            <a:ext cx="2376264" cy="173048"/>
+          </a:xfrm>
+          <a:prstGeom prst="wedgeEllipseCallout">
+            <a:avLst>
+              <a:gd name="adj1" fmla="val -90719"/>
+              <a:gd name="adj2" fmla="val 107696"/>
+            </a:avLst>
+          </a:prstGeom>
+          <a:solidFill>
+            <a:srgbClr val="FFFF00"/>
+          </a:solidFill>
+          <a:ln w="9525" cap="flat" cmpd="sng" algn="ctr">
+            <a:solidFill>
+              <a:srgbClr val="808080"/>
+            </a:solidFill>
+            <a:prstDash val="solid"/>
+            <a:round/>
+            <a:headEnd type="none" w="med" len="med"/>
+            <a:tailEnd type="none" w="med" len="med"/>
+          </a:ln>
+          <a:effectLst/>
+        </p:spPr>
+        <p:txBody>
+          <a:bodyPr vert="horz" wrap="square" lIns="92075" tIns="46038" rIns="92075" bIns="46038" numCol="1" rtlCol="0" anchor="ctr" anchorCtr="0" compatLnSpc="1">
+            <a:prstTxWarp prst="textNoShape">
+              <a:avLst/>
+            </a:prstTxWarp>
+          </a:bodyPr>
+          <a:lstStyle/>
+          <a:p>
+            <a:pPr marL="0" marR="0" indent="0" algn="ctr" defTabSz="914400" rtl="0" eaLnBrk="1" fontAlgn="base" latinLnBrk="0" hangingPunct="1">
+              <a:lnSpc>
+                <a:spcPct val="100000"/>
+              </a:lnSpc>
+              <a:spcBef>
+                <a:spcPct val="0"/>
+              </a:spcBef>
+              <a:spcAft>
+                <a:spcPct val="0"/>
+              </a:spcAft>
+              <a:buClrTx/>
+              <a:buSzTx/>
+              <a:buFontTx/>
+              <a:buNone/>
+              <a:tabLst/>
+            </a:pPr>
+            <a:r>
+              <a:rPr lang="ko-KR" altLang="en-US" sz="1200" smtClean="0">
+                <a:latin typeface="맑은 고딕" pitchFamily="50" charset="-127"/>
+                <a:ea typeface="맑은 고딕" pitchFamily="50" charset="-127"/>
+              </a:rPr>
+              <a:t>모듈 참조이름 변경</a:t>
+            </a:r>
+            <a:endParaRPr kumimoji="0" lang="ko-KR" altLang="en-US" sz="1200" b="0" i="0" u="none" strike="noStrike" cap="none" normalizeH="0" baseline="0" smtClean="0">
+              <a:ln>
+                <a:noFill/>
+              </a:ln>
+              <a:solidFill>
+                <a:schemeClr val="tx1"/>
+              </a:solidFill>
+              <a:effectLst/>
+              <a:latin typeface="맑은 고딕" pitchFamily="50" charset="-127"/>
+              <a:ea typeface="맑은 고딕" pitchFamily="50" charset="-127"/>
+            </a:endParaRPr>
+          </a:p>
+        </p:txBody>
+      </p:sp>
+      <p:sp>
+        <p:nvSpPr>
+          <p:cNvPr id="5" name="타원형 설명선 4"/>
+          <p:cNvSpPr/>
+          <p:nvPr/>
+        </p:nvSpPr>
+        <p:spPr bwMode="auto">
+          <a:xfrm>
+            <a:off x="4355976" y="2348880"/>
+            <a:ext cx="2592288" cy="288032"/>
+          </a:xfrm>
+          <a:prstGeom prst="wedgeEllipseCallout">
+            <a:avLst>
+              <a:gd name="adj1" fmla="val -88887"/>
+              <a:gd name="adj2" fmla="val 25238"/>
+            </a:avLst>
+          </a:prstGeom>
+          <a:solidFill>
+            <a:srgbClr val="FFFF00"/>
+          </a:solidFill>
+          <a:ln w="9525" cap="flat" cmpd="sng" algn="ctr">
+            <a:solidFill>
+              <a:srgbClr val="808080"/>
+            </a:solidFill>
+            <a:prstDash val="solid"/>
+            <a:round/>
+            <a:headEnd type="none" w="med" len="med"/>
+            <a:tailEnd type="none" w="med" len="med"/>
+          </a:ln>
+          <a:effectLst/>
+        </p:spPr>
+        <p:txBody>
+          <a:bodyPr vert="horz" wrap="none" lIns="92075" tIns="46038" rIns="92075" bIns="46038" numCol="1" rtlCol="0" anchor="ctr" anchorCtr="0" compatLnSpc="1">
+            <a:prstTxWarp prst="textNoShape">
+              <a:avLst/>
+            </a:prstTxWarp>
+          </a:bodyPr>
+          <a:lstStyle/>
+          <a:p>
+            <a:pPr marL="0" marR="0" indent="0" algn="ctr" defTabSz="914400" rtl="0" eaLnBrk="1" fontAlgn="base" latinLnBrk="0" hangingPunct="1">
+              <a:lnSpc>
+                <a:spcPct val="100000"/>
+              </a:lnSpc>
+              <a:spcBef>
+                <a:spcPct val="0"/>
+              </a:spcBef>
+              <a:spcAft>
+                <a:spcPct val="0"/>
+              </a:spcAft>
+              <a:buClrTx/>
+              <a:buSzTx/>
+              <a:buFontTx/>
+              <a:buNone/>
+              <a:tabLst/>
+            </a:pPr>
+            <a:r>
+              <a:rPr lang="en-US" altLang="ko-KR" sz="1200" smtClean="0">
+                <a:latin typeface="맑은 고딕" pitchFamily="50" charset="-127"/>
+                <a:ea typeface="맑은 고딕" pitchFamily="50" charset="-127"/>
+              </a:rPr>
+              <a:t>sqrt(), pi </a:t>
+            </a:r>
+            <a:r>
+              <a:rPr lang="ko-KR" altLang="en-US" sz="1200" smtClean="0">
+                <a:latin typeface="맑은 고딕" pitchFamily="50" charset="-127"/>
+                <a:ea typeface="맑은 고딕" pitchFamily="50" charset="-127"/>
+              </a:rPr>
+              <a:t>는 모듈명 없이 사용</a:t>
+            </a:r>
+            <a:endParaRPr kumimoji="0" lang="ko-KR" altLang="en-US" sz="1200" b="0" i="0" u="none" strike="noStrike" cap="none" normalizeH="0" baseline="0" smtClean="0">
+              <a:ln>
+                <a:noFill/>
+              </a:ln>
+              <a:solidFill>
+                <a:schemeClr val="tx1"/>
+              </a:solidFill>
+              <a:effectLst/>
+              <a:latin typeface="맑은 고딕" pitchFamily="50" charset="-127"/>
+              <a:ea typeface="맑은 고딕" pitchFamily="50" charset="-127"/>
+            </a:endParaRPr>
+          </a:p>
+        </p:txBody>
+      </p:sp>
+      <p:sp>
+        <p:nvSpPr>
+          <p:cNvPr id="6" name="타원형 설명선 5"/>
+          <p:cNvSpPr/>
+          <p:nvPr/>
+        </p:nvSpPr>
+        <p:spPr bwMode="auto">
+          <a:xfrm>
+            <a:off x="4345078" y="2763792"/>
+            <a:ext cx="3467282" cy="449183"/>
+          </a:xfrm>
+          <a:prstGeom prst="wedgeEllipseCallout">
+            <a:avLst>
+              <a:gd name="adj1" fmla="val -91893"/>
+              <a:gd name="adj2" fmla="val -33962"/>
+            </a:avLst>
+          </a:prstGeom>
+          <a:solidFill>
+            <a:srgbClr val="FFFF00"/>
+          </a:solidFill>
+          <a:ln w="9525" cap="flat" cmpd="sng" algn="ctr">
+            <a:solidFill>
+              <a:srgbClr val="808080"/>
+            </a:solidFill>
+            <a:prstDash val="solid"/>
+            <a:round/>
+            <a:headEnd type="none" w="med" len="med"/>
+            <a:tailEnd type="none" w="med" len="med"/>
+          </a:ln>
+          <a:effectLst/>
+        </p:spPr>
+        <p:txBody>
+          <a:bodyPr vert="horz" wrap="none" lIns="92075" tIns="46038" rIns="92075" bIns="46038" numCol="1" rtlCol="0" anchor="ctr" anchorCtr="0" compatLnSpc="1">
+            <a:prstTxWarp prst="textNoShape">
+              <a:avLst/>
+            </a:prstTxWarp>
+          </a:bodyPr>
+          <a:lstStyle/>
+          <a:p>
+            <a:pPr marL="0" marR="0" indent="0" algn="ctr" defTabSz="914400" rtl="0" eaLnBrk="1" fontAlgn="base" latinLnBrk="0" hangingPunct="1">
+              <a:lnSpc>
+                <a:spcPct val="100000"/>
+              </a:lnSpc>
+              <a:spcBef>
+                <a:spcPct val="0"/>
+              </a:spcBef>
+              <a:spcAft>
+                <a:spcPct val="0"/>
+              </a:spcAft>
+              <a:buClrTx/>
+              <a:buSzTx/>
+              <a:buFontTx/>
+              <a:buNone/>
+              <a:tabLst/>
+            </a:pPr>
+            <a:r>
+              <a:rPr lang="en-US" altLang="ko-KR" sz="1200" smtClean="0">
+                <a:latin typeface="맑은 고딕" pitchFamily="50" charset="-127"/>
+                <a:ea typeface="맑은 고딕" pitchFamily="50" charset="-127"/>
+              </a:rPr>
+              <a:t>random </a:t>
+            </a:r>
+            <a:r>
+              <a:rPr lang="ko-KR" altLang="en-US" sz="1200" smtClean="0">
+                <a:latin typeface="맑은 고딕" pitchFamily="50" charset="-127"/>
+                <a:ea typeface="맑은 고딕" pitchFamily="50" charset="-127"/>
+              </a:rPr>
+              <a:t>모듈에 있는 모든 변수</a:t>
+            </a:r>
+            <a:r>
+              <a:rPr lang="en-US" altLang="ko-KR" sz="1200" smtClean="0">
+                <a:latin typeface="맑은 고딕" pitchFamily="50" charset="-127"/>
+                <a:ea typeface="맑은 고딕" pitchFamily="50" charset="-127"/>
+              </a:rPr>
+              <a:t>, </a:t>
+            </a:r>
+            <a:r>
+              <a:rPr lang="ko-KR" altLang="en-US" sz="1200" smtClean="0">
+                <a:latin typeface="맑은 고딕" pitchFamily="50" charset="-127"/>
+                <a:ea typeface="맑은 고딕" pitchFamily="50" charset="-127"/>
+              </a:rPr>
+              <a:t>함수</a:t>
+            </a:r>
+            <a:endParaRPr lang="en-US" altLang="ko-KR" sz="1200" smtClean="0">
+              <a:latin typeface="맑은 고딕" pitchFamily="50" charset="-127"/>
+              <a:ea typeface="맑은 고딕" pitchFamily="50" charset="-127"/>
+            </a:endParaRPr>
+          </a:p>
+          <a:p>
+            <a:pPr marL="0" marR="0" indent="0" algn="ctr" defTabSz="914400" rtl="0" eaLnBrk="1" fontAlgn="base" latinLnBrk="0" hangingPunct="1">
+              <a:lnSpc>
+                <a:spcPct val="100000"/>
+              </a:lnSpc>
+              <a:spcBef>
+                <a:spcPct val="0"/>
+              </a:spcBef>
+              <a:spcAft>
+                <a:spcPct val="0"/>
+              </a:spcAft>
+              <a:buClrTx/>
+              <a:buSzTx/>
+              <a:buFontTx/>
+              <a:buNone/>
+              <a:tabLst/>
+            </a:pPr>
+            <a:r>
+              <a:rPr kumimoji="0" lang="ko-KR" altLang="en-US" sz="1200" b="0" i="0" u="none" strike="noStrike" cap="none" normalizeH="0" baseline="0" smtClean="0">
+                <a:ln>
+                  <a:noFill/>
+                </a:ln>
+                <a:solidFill>
+                  <a:schemeClr val="tx1"/>
+                </a:solidFill>
+                <a:effectLst/>
+                <a:latin typeface="맑은 고딕" pitchFamily="50" charset="-127"/>
+                <a:ea typeface="맑은 고딕" pitchFamily="50" charset="-127"/>
+              </a:rPr>
+              <a:t>모듈명 없이 사용</a:t>
+            </a:r>
+          </a:p>
+        </p:txBody>
+      </p:sp>
+      <p:sp>
+        <p:nvSpPr>
+          <p:cNvPr id="7" name="TextBox 6"/>
+          <p:cNvSpPr txBox="1"/>
+          <p:nvPr/>
+        </p:nvSpPr>
+        <p:spPr>
+          <a:xfrm>
+            <a:off x="755576" y="1412776"/>
+            <a:ext cx="3211135" cy="461665"/>
+          </a:xfrm>
+          <a:prstGeom prst="rect">
+            <a:avLst/>
+          </a:prstGeom>
+          <a:noFill/>
+        </p:spPr>
+        <p:txBody>
+          <a:bodyPr wrap="none" rtlCol="0">
+            <a:spAutoFit/>
+          </a:bodyPr>
+          <a:lstStyle/>
+          <a:p>
+            <a:pPr marL="342900" indent="-342900">
+              <a:buFont typeface="Arial" panose="020B0604020202020204" pitchFamily="34" charset="0"/>
+              <a:buChar char="•"/>
+            </a:pPr>
+            <a:r>
+              <a:rPr lang="ko-KR" altLang="en-US" sz="2400" b="1" smtClean="0"/>
+              <a:t>기본 모듈 불러오기</a:t>
+            </a:r>
+            <a:endParaRPr lang="ko-KR" altLang="en-US" sz="2400" b="1"/>
+          </a:p>
+        </p:txBody>
+      </p:sp>
+      <p:sp>
+        <p:nvSpPr>
+          <p:cNvPr id="8" name="TextBox 7"/>
+          <p:cNvSpPr txBox="1"/>
+          <p:nvPr/>
+        </p:nvSpPr>
+        <p:spPr>
+          <a:xfrm>
+            <a:off x="755576" y="4869160"/>
+            <a:ext cx="7723532" cy="738664"/>
+          </a:xfrm>
+          <a:prstGeom prst="rect">
+            <a:avLst/>
+          </a:prstGeom>
+          <a:solidFill>
+            <a:schemeClr val="bg1">
+              <a:lumMod val="95000"/>
+            </a:schemeClr>
+          </a:solidFill>
+          <a:ln>
+            <a:solidFill>
+              <a:schemeClr val="tx1"/>
+            </a:solidFill>
+          </a:ln>
+        </p:spPr>
+        <p:txBody>
+          <a:bodyPr wrap="square" rtlCol="0">
+            <a:spAutoFit/>
+          </a:bodyPr>
+          <a:lstStyle/>
+          <a:p>
+            <a:r>
+              <a:rPr lang="en-US" altLang="ko-KR" sz="1400" smtClean="0">
+                <a:latin typeface="Consolas" pitchFamily="49" charset="0"/>
+                <a:cs typeface="Consolas" pitchFamily="49" charset="0"/>
+              </a:rPr>
+              <a:t># mymodule.py</a:t>
+            </a:r>
+          </a:p>
+          <a:p>
+            <a:r>
+              <a:rPr lang="en-US" altLang="ko-KR" sz="1400" smtClean="0">
+                <a:latin typeface="Consolas" pitchFamily="49" charset="0"/>
+                <a:cs typeface="Consolas" pitchFamily="49" charset="0"/>
+              </a:rPr>
+              <a:t>def myf(a,b):</a:t>
+            </a:r>
+          </a:p>
+          <a:p>
+            <a:r>
+              <a:rPr lang="en-US" altLang="ko-KR" sz="1400" smtClean="0">
+                <a:latin typeface="Consolas" pitchFamily="49" charset="0"/>
+                <a:cs typeface="Consolas" pitchFamily="49" charset="0"/>
+              </a:rPr>
+              <a:t>  a+b</a:t>
+            </a:r>
+            <a:endParaRPr lang="en-US" altLang="ko-KR" sz="1400">
+              <a:latin typeface="Consolas" pitchFamily="49" charset="0"/>
+              <a:cs typeface="Consolas" pitchFamily="49" charset="0"/>
+            </a:endParaRPr>
+          </a:p>
+        </p:txBody>
+      </p:sp>
+      <p:sp>
+        <p:nvSpPr>
+          <p:cNvPr id="9" name="TextBox 8"/>
+          <p:cNvSpPr txBox="1"/>
+          <p:nvPr/>
+        </p:nvSpPr>
+        <p:spPr>
+          <a:xfrm>
+            <a:off x="755576" y="4306456"/>
+            <a:ext cx="2178802" cy="461665"/>
+          </a:xfrm>
+          <a:prstGeom prst="rect">
+            <a:avLst/>
+          </a:prstGeom>
+          <a:noFill/>
+        </p:spPr>
+        <p:txBody>
+          <a:bodyPr wrap="none" rtlCol="0">
+            <a:spAutoFit/>
+          </a:bodyPr>
+          <a:lstStyle/>
+          <a:p>
+            <a:pPr marL="342900" indent="-342900">
+              <a:buFont typeface="Arial" panose="020B0604020202020204" pitchFamily="34" charset="0"/>
+              <a:buChar char="•"/>
+            </a:pPr>
+            <a:r>
+              <a:rPr lang="ko-KR" altLang="en-US" sz="2400" b="1" smtClean="0"/>
+              <a:t>사용자 모듈</a:t>
+            </a:r>
+            <a:endParaRPr lang="ko-KR" altLang="en-US" sz="2400" b="1"/>
+          </a:p>
+        </p:txBody>
+      </p:sp>
+      <p:sp>
+        <p:nvSpPr>
+          <p:cNvPr id="10" name="TextBox 9"/>
+          <p:cNvSpPr txBox="1"/>
+          <p:nvPr/>
+        </p:nvSpPr>
+        <p:spPr>
+          <a:xfrm>
+            <a:off x="755576" y="5787841"/>
+            <a:ext cx="7723532" cy="738664"/>
+          </a:xfrm>
+          <a:prstGeom prst="rect">
+            <a:avLst/>
+          </a:prstGeom>
+          <a:solidFill>
+            <a:schemeClr val="tx1"/>
+          </a:solidFill>
+          <a:ln>
+            <a:solidFill>
+              <a:schemeClr val="tx1"/>
+            </a:solidFill>
+          </a:ln>
+        </p:spPr>
+        <p:txBody>
+          <a:bodyPr wrap="square" rtlCol="0">
+            <a:spAutoFit/>
+          </a:bodyPr>
+          <a:lstStyle/>
+          <a:p>
+            <a:r>
+              <a:rPr lang="en-US" altLang="ko-KR" sz="1400" smtClean="0">
+                <a:solidFill>
+                  <a:schemeClr val="bg1"/>
+                </a:solidFill>
+                <a:latin typeface="Consolas" pitchFamily="49" charset="0"/>
+                <a:cs typeface="Consolas" pitchFamily="49" charset="0"/>
+              </a:rPr>
+              <a:t>&gt;&gt;&gt; import mymodule</a:t>
+            </a:r>
+          </a:p>
+          <a:p>
+            <a:r>
+              <a:rPr lang="en-US" altLang="ko-KR" sz="1400" smtClean="0">
+                <a:solidFill>
+                  <a:schemeClr val="bg1"/>
+                </a:solidFill>
+                <a:latin typeface="Consolas" pitchFamily="49" charset="0"/>
+                <a:cs typeface="Consolas" pitchFamily="49" charset="0"/>
+              </a:rPr>
+              <a:t>&gt;&gt;&gt; mymodule.myf(1,2)</a:t>
+            </a:r>
+          </a:p>
+          <a:p>
+            <a:r>
+              <a:rPr lang="en-US" altLang="ko-KR" sz="1400">
+                <a:solidFill>
+                  <a:schemeClr val="bg1"/>
+                </a:solidFill>
+                <a:latin typeface="Consolas" pitchFamily="49" charset="0"/>
+                <a:cs typeface="Consolas" pitchFamily="49" charset="0"/>
+              </a:rPr>
+              <a:t>3</a:t>
+            </a:r>
+          </a:p>
+        </p:txBody>
+      </p:sp>
+    </p:spTree>
+    <p:extLst>
+      <p:ext uri="{BB962C8B-B14F-4D97-AF65-F5344CB8AC3E}">
+        <p14:creationId xmlns:p14="http://schemas.microsoft.com/office/powerpoint/2010/main" val="772193582"/>
+      </p:ext>
+    </p:extLst>
+  </p:cSld>
+  <p:clrMapOvr>
+    <a:masterClrMapping/>
+  </p:clrMapOvr>
+</p:sld>
+</file>
+
+<file path=ppt/slides/slide52.xml><?xml version="1.0" encoding="utf-8"?>
+<p:sld xmlns:a="http://schemas.openxmlformats.org/drawingml/2006/main" xmlns:r="http://schemas.openxmlformats.org/officeDocument/2006/relationships" xmlns:p="http://schemas.openxmlformats.org/presentationml/2006/main">
+  <p:cSld>
+    <p:spTree>
+      <p:nvGrpSpPr>
+        <p:cNvPr id="1" name=""/>
+        <p:cNvGrpSpPr/>
+        <p:nvPr/>
+      </p:nvGrpSpPr>
+      <p:grpSpPr>
+        <a:xfrm>
+          <a:off x="0" y="0"/>
+          <a:ext cx="0" cy="0"/>
+          <a:chOff x="0" y="0"/>
+          <a:chExt cx="0" cy="0"/>
+        </a:xfrm>
+      </p:grpSpPr>
+      <p:sp>
+        <p:nvSpPr>
+          <p:cNvPr id="2" name="제목 1"/>
+          <p:cNvSpPr>
+            <a:spLocks noGrp="1"/>
+          </p:cNvSpPr>
+          <p:nvPr>
+            <p:ph type="title"/>
+          </p:nvPr>
+        </p:nvSpPr>
+        <p:spPr/>
+        <p:txBody>
+          <a:bodyPr/>
+          <a:lstStyle/>
+          <a:p>
+            <a:r>
+              <a:rPr lang="ko-KR" altLang="en-US" smtClean="0"/>
               <a:t>예외처</a:t>
             </a:r>
             <a:r>
@@ -17148,14 +17721,7 @@
                 <a:latin typeface="Consolas" pitchFamily="49" charset="0"/>
                 <a:cs typeface="Consolas" pitchFamily="49" charset="0"/>
               </a:rPr>
-              <a:t># </a:t>
-            </a:r>
-            <a:r>
-              <a:rPr lang="en-US" altLang="ko-KR" sz="1400" smtClean="0">
-                <a:latin typeface="Consolas" pitchFamily="49" charset="0"/>
-                <a:cs typeface="Consolas" pitchFamily="49" charset="0"/>
-              </a:rPr>
-              <a:t>test.py</a:t>
+              <a:t># test.py</a:t>
             </a:r>
           </a:p>
           <a:p>
@@ -17179,14 +17745,7 @@
                 <a:latin typeface="Consolas" pitchFamily="49" charset="0"/>
                 <a:cs typeface="Consolas" pitchFamily="49" charset="0"/>
               </a:rPr>
-              <a:t>s </a:t>
-            </a:r>
-            <a:r>
-              <a:rPr lang="en-US" altLang="ko-KR" sz="1400">
-                <a:latin typeface="Consolas" pitchFamily="49" charset="0"/>
-                <a:cs typeface="Consolas" pitchFamily="49" charset="0"/>
-              </a:rPr>
-              <a:t>= </a:t>
+              <a:t>s = </a:t>
             </a:r>
             <a:r>
               <a:rPr lang="en-US" altLang="ko-KR" sz="1400" smtClean="0">
@@ -17312,10 +17871,6 @@
               </a:rPr>
               <a:t>)</a:t>
             </a:r>
-            <a:endParaRPr lang="en-US" altLang="ko-KR" sz="1400">
-              <a:latin typeface="Consolas" pitchFamily="49" charset="0"/>
-              <a:cs typeface="Consolas" pitchFamily="49" charset="0"/>
-            </a:endParaRPr>
           </a:p>
         </p:txBody>
       </p:sp>
@@ -17450,13 +18005,6 @@
               </a:rPr>
               <a:t>12</a:t>
             </a:r>
-            <a:endParaRPr lang="en-US" altLang="ko-KR" sz="1400">
-              <a:solidFill>
-                <a:schemeClr val="bg1"/>
-              </a:solidFill>
-              <a:latin typeface="Consolas" pitchFamily="49" charset="0"/>
-              <a:cs typeface="Consolas" pitchFamily="49" charset="0"/>
-            </a:endParaRPr>
           </a:p>
         </p:txBody>
       </p:sp>
@@ -17519,7 +18067,7 @@
 </p:sld>
 </file>
 
-<file path=ppt/slides/slide52.xml><?xml version="1.0" encoding="utf-8"?>
+<file path=ppt/slides/slide53.xml><?xml version="1.0" encoding="utf-8"?>
 <p:sld xmlns:a="http://schemas.openxmlformats.org/drawingml/2006/main" xmlns:r="http://schemas.openxmlformats.org/officeDocument/2006/relationships" xmlns:p="http://schemas.openxmlformats.org/presentationml/2006/main">
   <p:cSld>
     <p:spTree>
@@ -17553,7 +18101,162 @@
           <a:p>
             <a:r>
               <a:rPr lang="ko-KR" altLang="en-US" smtClean="0"/>
-              <a:t>기타</a:t>
+              <a:t>기본 함수들</a:t>
+            </a:r>
+            <a:endParaRPr lang="ko-KR" altLang="en-US"/>
+          </a:p>
+        </p:txBody>
+      </p:sp>
+      <p:pic>
+        <p:nvPicPr>
+          <p:cNvPr id="1026" name="Picture 2"/>
+          <p:cNvPicPr>
+            <a:picLocks noChangeAspect="1" noChangeArrowheads="1"/>
+          </p:cNvPicPr>
+          <p:nvPr/>
+        </p:nvPicPr>
+        <p:blipFill>
+          <a:blip r:embed="rId2">
+            <a:extLst>
+              <a:ext uri="{28A0092B-C50C-407E-A947-70E740481C1C}">
+                <a14:useLocalDpi xmlns:a14="http://schemas.microsoft.com/office/drawing/2010/main" val="0"/>
+              </a:ext>
+            </a:extLst>
+          </a:blip>
+          <a:srcRect/>
+          <a:stretch>
+            <a:fillRect/>
+          </a:stretch>
+        </p:blipFill>
+        <p:spPr bwMode="auto">
+          <a:xfrm>
+            <a:off x="1331640" y="1484784"/>
+            <a:ext cx="6768750" cy="4818310"/>
+          </a:xfrm>
+          <a:prstGeom prst="rect">
+            <a:avLst/>
+          </a:prstGeom>
+          <a:noFill/>
+          <a:ln>
+            <a:noFill/>
+          </a:ln>
+          <a:extLst>
+            <a:ext uri="{909E8E84-426E-40DD-AFC4-6F175D3DCCD1}">
+              <a14:hiddenFill xmlns:a14="http://schemas.microsoft.com/office/drawing/2010/main">
+                <a:solidFill>
+                  <a:schemeClr val="accent1"/>
+                </a:solidFill>
+              </a14:hiddenFill>
+            </a:ext>
+            <a:ext uri="{91240B29-F687-4F45-9708-019B960494DF}">
+              <a14:hiddenLine xmlns:a14="http://schemas.microsoft.com/office/drawing/2010/main" w="9525">
+                <a:solidFill>
+                  <a:schemeClr val="tx1"/>
+                </a:solidFill>
+                <a:miter lim="800000"/>
+                <a:headEnd/>
+                <a:tailEnd/>
+              </a14:hiddenLine>
+            </a:ext>
+          </a:extLst>
+        </p:spPr>
+      </p:pic>
+      <p:sp>
+        <p:nvSpPr>
+          <p:cNvPr id="3" name="TextBox 2"/>
+          <p:cNvSpPr txBox="1"/>
+          <p:nvPr/>
+        </p:nvSpPr>
+        <p:spPr>
+          <a:xfrm>
+            <a:off x="2284495" y="6381328"/>
+            <a:ext cx="5249579" cy="369332"/>
+          </a:xfrm>
+          <a:prstGeom prst="rect">
+            <a:avLst/>
+          </a:prstGeom>
+          <a:noFill/>
+        </p:spPr>
+        <p:txBody>
+          <a:bodyPr wrap="none" rtlCol="0">
+            <a:spAutoFit/>
+          </a:bodyPr>
+          <a:lstStyle/>
+          <a:p>
+            <a:r>
+              <a:rPr lang="en-US" altLang="ko-KR">
+                <a:hlinkClick r:id="rId3"/>
+              </a:rPr>
+              <a:t>https</a:t>
+            </a:r>
+            <a:r>
+              <a:rPr lang="en-US" altLang="ko-KR">
+                <a:hlinkClick r:id="rId3"/>
+              </a:rPr>
+              <a:t>://</a:t>
+            </a:r>
+            <a:r>
+              <a:rPr lang="en-US" altLang="ko-KR" smtClean="0">
+                <a:hlinkClick r:id="rId3"/>
+              </a:rPr>
+              <a:t>docs.python.org/3/library/functions.html</a:t>
+            </a:r>
+            <a:r>
+              <a:rPr lang="en-US" altLang="ko-KR" smtClean="0"/>
+              <a:t> </a:t>
+            </a:r>
+            <a:endParaRPr lang="ko-KR" altLang="en-US"/>
+          </a:p>
+        </p:txBody>
+      </p:sp>
+    </p:spTree>
+    <p:extLst>
+      <p:ext uri="{BB962C8B-B14F-4D97-AF65-F5344CB8AC3E}">
+        <p14:creationId xmlns:p14="http://schemas.microsoft.com/office/powerpoint/2010/main" val="1222782975"/>
+      </p:ext>
+    </p:extLst>
+  </p:cSld>
+  <p:clrMapOvr>
+    <a:masterClrMapping/>
+  </p:clrMapOvr>
+</p:sld>
+</file>
+
+<file path=ppt/slides/slide54.xml><?xml version="1.0" encoding="utf-8"?>
+<p:sld xmlns:a="http://schemas.openxmlformats.org/drawingml/2006/main" xmlns:r="http://schemas.openxmlformats.org/officeDocument/2006/relationships" xmlns:p="http://schemas.openxmlformats.org/presentationml/2006/main">
+  <p:cSld>
+    <p:spTree>
+      <p:nvGrpSpPr>
+        <p:cNvPr id="1" name=""/>
+        <p:cNvGrpSpPr/>
+        <p:nvPr/>
+      </p:nvGrpSpPr>
+      <p:grpSpPr>
+        <a:xfrm>
+          <a:off x="0" y="0"/>
+          <a:ext cx="0" cy="0"/>
+          <a:chOff x="0" y="0"/>
+          <a:chExt cx="0" cy="0"/>
+        </a:xfrm>
+      </p:grpSpPr>
+      <p:sp>
+        <p:nvSpPr>
+          <p:cNvPr id="2" name="제목 1"/>
+          <p:cNvSpPr>
+            <a:spLocks noGrp="1"/>
+          </p:cNvSpPr>
+          <p:nvPr>
+            <p:ph type="title"/>
+          </p:nvPr>
+        </p:nvSpPr>
+        <p:spPr/>
+        <p:txBody>
+          <a:bodyPr/>
+          <a:lstStyle/>
+          <a:p>
+            <a:r>
+              <a:rPr lang="en-US" altLang="ko-KR" smtClean="0"/>
+              <a:t>standard libraries</a:t>
             </a:r>
             <a:endParaRPr lang="ko-KR" altLang="en-US"/>
           </a:p>
@@ -17575,60 +18278,93 @@
           <a:lstStyle/>
           <a:p>
             <a:r>
-              <a:rPr lang="ko-KR" altLang="en-US" smtClean="0"/>
-              <a:t>형변환</a:t>
-            </a:r>
-            <a:r>
               <a:rPr lang="en-US" altLang="ko-KR" smtClean="0"/>
-              <a:t>: int, float, str</a:t>
+              <a:t>io, os, sys</a:t>
             </a:r>
           </a:p>
           <a:p>
             <a:r>
               <a:rPr lang="en-US" altLang="ko-KR" smtClean="0"/>
-              <a:t>type</a:t>
+              <a:t>math, random, re</a:t>
             </a:r>
           </a:p>
           <a:p>
             <a:r>
               <a:rPr lang="en-US" altLang="ko-KR" smtClean="0"/>
-              <a:t>len</a:t>
+              <a:t>time, datetime, calendar</a:t>
             </a:r>
           </a:p>
           <a:p>
             <a:r>
               <a:rPr lang="en-US" altLang="ko-KR" smtClean="0"/>
-              <a:t>_, </a:t>
-            </a:r>
+              <a:t>itertools, functools</a:t>
+            </a:r>
+          </a:p>
+          <a:p>
             <a:r>
               <a:rPr lang="en-US" altLang="ko-KR" smtClean="0"/>
-              <a:t>pass</a:t>
-            </a:r>
-            <a:endParaRPr lang="en-US" altLang="ko-KR" smtClean="0"/>
+              <a:t>pickle, json, socket, html, urllib</a:t>
+            </a:r>
           </a:p>
           <a:p>
             <a:r>
               <a:rPr lang="en-US" altLang="ko-KR" smtClean="0"/>
-              <a:t>iris.csv </a:t>
-            </a:r>
-            <a:r>
-              <a:rPr lang="ko-KR" altLang="en-US" smtClean="0"/>
-              <a:t>읽어오기</a:t>
-            </a:r>
-            <a:endParaRPr lang="en-US" altLang="ko-KR" smtClean="0"/>
-          </a:p>
-          <a:p>
-            <a:r>
-              <a:rPr lang="ko-KR" altLang="en-US" smtClean="0"/>
-              <a:t>정</a:t>
-            </a:r>
-            <a:r>
-              <a:rPr lang="ko-KR" altLang="en-US"/>
-              <a:t>렬</a:t>
-            </a:r>
-            <a:endParaRPr lang="en-US" altLang="ko-KR" smtClean="0"/>
-          </a:p>
-          <a:p>
+              <a:t>tkinter (GUI)</a:t>
+            </a:r>
+          </a:p>
+          <a:p>
+            <a:r>
+              <a:rPr lang="en-US" altLang="ko-KR" smtClean="0"/>
+              <a:t>…</a:t>
+            </a:r>
+            <a:endParaRPr lang="ko-KR" altLang="en-US"/>
+          </a:p>
+        </p:txBody>
+      </p:sp>
+      <p:sp>
+        <p:nvSpPr>
+          <p:cNvPr id="4" name="TextBox 3"/>
+          <p:cNvSpPr txBox="1"/>
+          <p:nvPr/>
+        </p:nvSpPr>
+        <p:spPr>
+          <a:xfrm>
+            <a:off x="1619672" y="6093296"/>
+            <a:ext cx="4853636" cy="369332"/>
+          </a:xfrm>
+          <a:prstGeom prst="rect">
+            <a:avLst/>
+          </a:prstGeom>
+          <a:noFill/>
+        </p:spPr>
+        <p:txBody>
+          <a:bodyPr wrap="none" rtlCol="0">
+            <a:spAutoFit/>
+          </a:bodyPr>
+          <a:lstStyle/>
+          <a:p>
+            <a:r>
+              <a:rPr lang="en-US" altLang="ko-KR">
+                <a:hlinkClick r:id="rId2"/>
+              </a:rPr>
+              <a:t>https</a:t>
+            </a:r>
+            <a:r>
+              <a:rPr lang="en-US" altLang="ko-KR">
+                <a:hlinkClick r:id="rId2"/>
+              </a:rPr>
+              <a:t>://</a:t>
+            </a:r>
+            <a:r>
+              <a:rPr lang="en-US" altLang="ko-KR" smtClean="0">
+                <a:hlinkClick r:id="rId2"/>
+              </a:rPr>
+              <a:t>docs.python.org/3/library/index.html</a:t>
+            </a:r>
+            <a:r>
+              <a:rPr lang="en-US" altLang="ko-KR" smtClean="0"/>
+              <a:t> </a:t>
+            </a:r>
             <a:endParaRPr lang="ko-KR" altLang="en-US"/>
           </a:p>
         </p:txBody>
@@ -17636,20 +18372,13 @@
     </p:spTree>
     <p:extLst>
       <p:ext uri="{BB962C8B-B14F-4D97-AF65-F5344CB8AC3E}">
-        <p14:creationId xmlns:p14="http://schemas.microsoft.com/office/powerpoint/2010/main" val="1584239294"/>
+        <p14:creationId xmlns:p14="http://schemas.microsoft.com/office/powerpoint/2010/main" val="3467799405"/>
       </p:ext>
     </p:extLst>
   </p:cSld>
   <p:clrMapOvr>
     <a:masterClrMapping/>
   </p:clrMapOvr>
-  <p:timing>
-    <p:tnLst>
-      <p:par>
-        <p:cTn id="1" dur="indefinite" restart="never" nodeType="tmRoot"/>
-      </p:par>
-    </p:tnLst>
-  </p:timing>
 </p:sld>
 </file>
 
